--- a/Team B - Code Green - MidtermPresentation.pptx
+++ b/Team B - Code Green - MidtermPresentation.pptx
@@ -12,11 +12,11 @@
     <p:sldId id="257" r:id="rId3"/>
     <p:sldId id="258" r:id="rId4"/>
     <p:sldId id="268" r:id="rId5"/>
-    <p:sldId id="259" r:id="rId6"/>
-    <p:sldId id="271" r:id="rId7"/>
-    <p:sldId id="269" r:id="rId8"/>
-    <p:sldId id="272" r:id="rId9"/>
-    <p:sldId id="273" r:id="rId10"/>
+    <p:sldId id="271" r:id="rId6"/>
+    <p:sldId id="269" r:id="rId7"/>
+    <p:sldId id="272" r:id="rId8"/>
+    <p:sldId id="273" r:id="rId9"/>
+    <p:sldId id="274" r:id="rId10"/>
     <p:sldId id="262" r:id="rId11"/>
     <p:sldId id="261" r:id="rId12"/>
     <p:sldId id="266" r:id="rId13"/>
@@ -911,7 +911,7 @@
     </p:spTree>
     <p:extLst>
       <p:ext uri="{BB962C8B-B14F-4D97-AF65-F5344CB8AC3E}">
-        <p14:creationId xmlns:p14="http://schemas.microsoft.com/office/powerpoint/2010/main" val="2130860193"/>
+        <p14:creationId xmlns:p14="http://schemas.microsoft.com/office/powerpoint/2010/main" val="3958248098"/>
       </p:ext>
     </p:extLst>
   </p:cSld>
@@ -1533,7 +1533,7 @@
           <a:p>
             <a:fld id="{A86D14B5-D6B5-4181-83CD-709C891308F3}" type="datetime1">
               <a:rPr lang="en-US" smtClean="0"/>
-              <a:t>10/6/2017</a:t>
+              <a:t>10/8/2017</a:t>
             </a:fld>
             <a:endParaRPr lang="en-US" dirty="0"/>
           </a:p>
@@ -1885,7 +1885,7 @@
           <a:p>
             <a:fld id="{D5E1A2B0-52B3-4A30-8FEF-FDD96AB0E427}" type="datetime1">
               <a:rPr lang="en-US" smtClean="0"/>
-              <a:t>10/6/2017</a:t>
+              <a:t>10/8/2017</a:t>
             </a:fld>
             <a:endParaRPr lang="en-US" dirty="0"/>
           </a:p>
@@ -2300,7 +2300,7 @@
           <a:p>
             <a:fld id="{764241F5-22A3-4733-A025-028C15D5847E}" type="datetime1">
               <a:rPr lang="en-US" smtClean="0"/>
-              <a:t>10/6/2017</a:t>
+              <a:t>10/8/2017</a:t>
             </a:fld>
             <a:endParaRPr lang="en-US" dirty="0"/>
           </a:p>
@@ -2650,7 +2650,7 @@
           <a:p>
             <a:fld id="{94E7150A-F428-4A23-963E-F054CB37C309}" type="datetime1">
               <a:rPr lang="en-US" smtClean="0"/>
-              <a:t>10/6/2017</a:t>
+              <a:t>10/8/2017</a:t>
             </a:fld>
             <a:endParaRPr lang="en-US" dirty="0"/>
           </a:p>
@@ -2984,7 +2984,7 @@
           <a:p>
             <a:fld id="{20563C6E-748B-42CF-B665-E2F61C1238D6}" type="datetime1">
               <a:rPr lang="en-US" smtClean="0"/>
-              <a:t>10/6/2017</a:t>
+              <a:t>10/8/2017</a:t>
             </a:fld>
             <a:endParaRPr lang="en-US" dirty="0"/>
           </a:p>
@@ -3394,7 +3394,7 @@
           <a:p>
             <a:fld id="{9FC38171-4E96-4B7F-86D2-C883AA8F0FFB}" type="datetime1">
               <a:rPr lang="en-US" smtClean="0"/>
-              <a:t>10/6/2017</a:t>
+              <a:t>10/8/2017</a:t>
             </a:fld>
             <a:endParaRPr lang="en-US" dirty="0"/>
           </a:p>
@@ -3665,7 +3665,7 @@
           <a:p>
             <a:fld id="{C9B84BC4-5094-4226-B51C-B3616096189D}" type="datetime1">
               <a:rPr lang="en-US" smtClean="0"/>
-              <a:t>10/6/2017</a:t>
+              <a:t>10/8/2017</a:t>
             </a:fld>
             <a:endParaRPr lang="en-US" dirty="0"/>
           </a:p>
@@ -3941,7 +3941,7 @@
           <a:p>
             <a:fld id="{DCB2C317-E5F4-4777-A940-02E3A9A6DB86}" type="datetime1">
               <a:rPr lang="en-US" smtClean="0"/>
-              <a:t>10/6/2017</a:t>
+              <a:t>10/8/2017</a:t>
             </a:fld>
             <a:endParaRPr lang="en-US" dirty="0"/>
           </a:p>
@@ -4450,7 +4450,7 @@
           <a:p>
             <a:fld id="{BD0F08CF-8349-4D2E-B81F-52338022C962}" type="datetime1">
               <a:rPr lang="en-US" smtClean="0"/>
-              <a:t>10/6/2017</a:t>
+              <a:t>10/8/2017</a:t>
             </a:fld>
             <a:endParaRPr lang="en-US" dirty="0"/>
           </a:p>
@@ -4793,7 +4793,7 @@
           <a:p>
             <a:fld id="{172C4749-C08D-485C-999E-C872B2E793C5}" type="datetime1">
               <a:rPr lang="en-US" smtClean="0"/>
-              <a:t>10/6/2017</a:t>
+              <a:t>10/8/2017</a:t>
             </a:fld>
             <a:endParaRPr lang="en-US" dirty="0"/>
           </a:p>
@@ -5130,7 +5130,7 @@
           <a:p>
             <a:fld id="{EC459C39-C404-4328-887C-B0DBFAF37BC3}" type="datetime1">
               <a:rPr lang="en-US" smtClean="0"/>
-              <a:t>10/6/2017</a:t>
+              <a:t>10/8/2017</a:t>
             </a:fld>
             <a:endParaRPr lang="en-US" dirty="0"/>
           </a:p>
@@ -5601,7 +5601,7 @@
           <a:p>
             <a:fld id="{AC9883BC-D3F0-4D03-B040-E858D8A74D3B}" type="datetime1">
               <a:rPr lang="en-US" smtClean="0"/>
-              <a:t>10/6/2017</a:t>
+              <a:t>10/8/2017</a:t>
             </a:fld>
             <a:endParaRPr lang="en-US" dirty="0"/>
           </a:p>
@@ -5820,7 +5820,7 @@
           <a:p>
             <a:fld id="{D329C594-3B73-46FB-812B-AC0109C3993A}" type="datetime1">
               <a:rPr lang="en-US" smtClean="0"/>
-              <a:t>10/6/2017</a:t>
+              <a:t>10/8/2017</a:t>
             </a:fld>
             <a:endParaRPr lang="en-US" dirty="0"/>
           </a:p>
@@ -6011,7 +6011,7 @@
           <a:p>
             <a:fld id="{F8ED311A-4759-4DF5-BC04-B9647693FCA0}" type="datetime1">
               <a:rPr lang="en-US" smtClean="0"/>
-              <a:t>10/6/2017</a:t>
+              <a:t>10/8/2017</a:t>
             </a:fld>
             <a:endParaRPr lang="en-US" dirty="0"/>
           </a:p>
@@ -6350,7 +6350,7 @@
           <a:p>
             <a:fld id="{74BF47E3-0420-4D61-9336-80DEA03E5DDA}" type="datetime1">
               <a:rPr lang="en-US" smtClean="0"/>
-              <a:t>10/6/2017</a:t>
+              <a:t>10/8/2017</a:t>
             </a:fld>
             <a:endParaRPr lang="en-US" dirty="0"/>
           </a:p>
@@ -6709,7 +6709,7 @@
           <a:p>
             <a:fld id="{6E5312DF-44D9-44E1-B876-6EFA776C69C9}" type="datetime1">
               <a:rPr lang="en-US" smtClean="0"/>
-              <a:t>10/6/2017</a:t>
+              <a:t>10/8/2017</a:t>
             </a:fld>
             <a:endParaRPr lang="en-US" dirty="0"/>
           </a:p>
@@ -8840,7 +8840,7 @@
           <a:p>
             <a:fld id="{1F6DBF66-7432-4788-BBC7-0334E961401F}" type="datetime1">
               <a:rPr lang="en-US" smtClean="0"/>
-              <a:t>10/6/2017</a:t>
+              <a:t>10/8/2017</a:t>
             </a:fld>
             <a:endParaRPr lang="en-US" dirty="0"/>
           </a:p>
@@ -9680,14 +9680,7 @@
                 <a:latin typeface="Times New Roman" panose="02020603050405020304" pitchFamily="18" charset="0"/>
                 <a:cs typeface="Times New Roman" panose="02020603050405020304" pitchFamily="18" charset="0"/>
               </a:rPr>
-              <a:t>Finalizing common database for iOS and web application</a:t>
-            </a:r>
-            <a:r>
-              <a:rPr lang="en" sz="2000" dirty="0" smtClean="0">
-                <a:latin typeface="Times New Roman" panose="02020603050405020304" pitchFamily="18" charset="0"/>
-                <a:cs typeface="Times New Roman" panose="02020603050405020304" pitchFamily="18" charset="0"/>
-              </a:rPr>
-              <a:t>.</a:t>
+              <a:t>Finalizing common database for iOS and web application.</a:t>
             </a:r>
           </a:p>
           <a:p>
@@ -9705,14 +9698,7 @@
                 <a:latin typeface="Times New Roman" panose="02020603050405020304" pitchFamily="18" charset="0"/>
                 <a:cs typeface="Times New Roman" panose="02020603050405020304" pitchFamily="18" charset="0"/>
               </a:rPr>
-              <a:t>Developing the Project in </a:t>
-            </a:r>
-            <a:r>
-              <a:rPr lang="en-US" sz="2000" dirty="0" smtClean="0">
-                <a:latin typeface="Times New Roman" panose="02020603050405020304" pitchFamily="18" charset="0"/>
-                <a:cs typeface="Times New Roman" panose="02020603050405020304" pitchFamily="18" charset="0"/>
-              </a:rPr>
-              <a:t>Node.js.</a:t>
+              <a:t>Developing the Project in Node.js.</a:t>
             </a:r>
           </a:p>
           <a:p>
@@ -9739,6 +9725,25 @@
               </a:rPr>
               <a:t>.</a:t>
             </a:r>
+          </a:p>
+          <a:p>
+            <a:endParaRPr lang="en-US" sz="2000" dirty="0">
+              <a:latin typeface="Times New Roman" panose="02020603050405020304" pitchFamily="18" charset="0"/>
+              <a:cs typeface="Times New Roman" panose="02020603050405020304" pitchFamily="18" charset="0"/>
+            </a:endParaRPr>
+          </a:p>
+          <a:p>
+            <a:r>
+              <a:rPr lang="en-US" sz="2000" dirty="0" smtClean="0">
+                <a:latin typeface="Times New Roman" panose="02020603050405020304" pitchFamily="18" charset="0"/>
+                <a:cs typeface="Times New Roman" panose="02020603050405020304" pitchFamily="18" charset="0"/>
+              </a:rPr>
+              <a:t>Writing code in Swift 4.</a:t>
+            </a:r>
+            <a:endParaRPr lang="en-US" sz="2000" dirty="0" smtClean="0">
+              <a:latin typeface="Times New Roman" panose="02020603050405020304" pitchFamily="18" charset="0"/>
+              <a:cs typeface="Times New Roman" panose="02020603050405020304" pitchFamily="18" charset="0"/>
+            </a:endParaRPr>
           </a:p>
           <a:p>
             <a:endParaRPr lang="en-US" sz="2000" dirty="0">
@@ -10452,8 +10457,15 @@
                 <a:latin typeface="Times New Roman" panose="02020603050405020304" pitchFamily="18" charset="0"/>
                 <a:cs typeface="Times New Roman" panose="02020603050405020304" pitchFamily="18" charset="0"/>
               </a:rPr>
-              <a:t>As of now, we had a code of around </a:t>
-            </a:r>
+              <a:t>As of now, we had a code of around 3000 lines (web application and iOS application).</a:t>
+            </a:r>
+          </a:p>
+          <a:p>
+            <a:pPr marL="571500" indent="-342900" algn="just">
+              <a:buClr>
+                <a:srgbClr val="000000"/>
+              </a:buClr>
+            </a:pPr>
             <a:r>
               <a:rPr lang="en" sz="2000" dirty="0" smtClean="0">
                 <a:solidFill>
@@ -10462,64 +10474,7 @@
                 <a:latin typeface="Times New Roman" panose="02020603050405020304" pitchFamily="18" charset="0"/>
                 <a:cs typeface="Times New Roman" panose="02020603050405020304" pitchFamily="18" charset="0"/>
               </a:rPr>
-              <a:t>30</a:t>
-            </a:r>
-            <a:r>
-              <a:rPr lang="en" sz="2000" dirty="0" smtClean="0">
-                <a:solidFill>
-                  <a:srgbClr val="000000"/>
-                </a:solidFill>
-                <a:latin typeface="Times New Roman" panose="02020603050405020304" pitchFamily="18" charset="0"/>
-                <a:cs typeface="Times New Roman" panose="02020603050405020304" pitchFamily="18" charset="0"/>
-              </a:rPr>
-              <a:t>00 </a:t>
-            </a:r>
-            <a:r>
-              <a:rPr lang="en" sz="2000" dirty="0" smtClean="0">
-                <a:solidFill>
-                  <a:srgbClr val="000000"/>
-                </a:solidFill>
-                <a:latin typeface="Times New Roman" panose="02020603050405020304" pitchFamily="18" charset="0"/>
-                <a:cs typeface="Times New Roman" panose="02020603050405020304" pitchFamily="18" charset="0"/>
-              </a:rPr>
-              <a:t>lines (web application and iOS application).</a:t>
-            </a:r>
-          </a:p>
-          <a:p>
-            <a:pPr marL="571500" indent="-342900" algn="just">
-              <a:buClr>
-                <a:srgbClr val="000000"/>
-              </a:buClr>
-            </a:pPr>
-            <a:r>
-              <a:rPr lang="en" sz="2000" dirty="0" smtClean="0">
-                <a:solidFill>
-                  <a:srgbClr val="000000"/>
-                </a:solidFill>
-                <a:latin typeface="Times New Roman" panose="02020603050405020304" pitchFamily="18" charset="0"/>
-                <a:cs typeface="Times New Roman" panose="02020603050405020304" pitchFamily="18" charset="0"/>
-              </a:rPr>
-              <a:t>We are expecting to have another </a:t>
-            </a:r>
-            <a:r>
-              <a:rPr lang="en" sz="2000" dirty="0" smtClean="0">
-                <a:solidFill>
-                  <a:srgbClr val="000000"/>
-                </a:solidFill>
-                <a:latin typeface="Times New Roman" panose="02020603050405020304" pitchFamily="18" charset="0"/>
-                <a:cs typeface="Times New Roman" panose="02020603050405020304" pitchFamily="18" charset="0"/>
-              </a:rPr>
-              <a:t>2000 </a:t>
-            </a:r>
-            <a:r>
-              <a:rPr lang="en" sz="2000" dirty="0" smtClean="0">
-                <a:solidFill>
-                  <a:srgbClr val="000000"/>
-                </a:solidFill>
-                <a:latin typeface="Times New Roman" panose="02020603050405020304" pitchFamily="18" charset="0"/>
-                <a:cs typeface="Times New Roman" panose="02020603050405020304" pitchFamily="18" charset="0"/>
-              </a:rPr>
-              <a:t>lines of code.</a:t>
+              <a:t>We are expecting to have another 2000 lines of code.</a:t>
             </a:r>
             <a:endParaRPr lang="en" sz="2000" dirty="0">
               <a:solidFill>
@@ -10914,43 +10869,7 @@
                 <a:latin typeface="Times New Roman" panose="02020603050405020304" pitchFamily="18" charset="0"/>
                 <a:cs typeface="Times New Roman" panose="02020603050405020304" pitchFamily="18" charset="0"/>
               </a:rPr>
-              <a:t>Modules </a:t>
-            </a:r>
-            <a:r>
-              <a:rPr lang="en" sz="2000" dirty="0" smtClean="0">
-                <a:solidFill>
-                  <a:schemeClr val="accent6">
-                    <a:lumMod val="50000"/>
-                  </a:schemeClr>
-                </a:solidFill>
-                <a:latin typeface="Times New Roman" panose="02020603050405020304" pitchFamily="18" charset="0"/>
-                <a:cs typeface="Times New Roman" panose="02020603050405020304" pitchFamily="18" charset="0"/>
-              </a:rPr>
-              <a:t>and </a:t>
-            </a:r>
-            <a:r>
-              <a:rPr lang="en" sz="2000" dirty="0" smtClean="0">
-                <a:solidFill>
-                  <a:schemeClr val="accent6">
-                    <a:lumMod val="50000"/>
-                  </a:schemeClr>
-                </a:solidFill>
-                <a:latin typeface="Times New Roman" panose="02020603050405020304" pitchFamily="18" charset="0"/>
-                <a:cs typeface="Times New Roman" panose="02020603050405020304" pitchFamily="18" charset="0"/>
-              </a:rPr>
-              <a:t>its core </a:t>
-            </a:r>
-            <a:r>
-              <a:rPr lang="en" sz="2000" dirty="0" smtClean="0">
-                <a:solidFill>
-                  <a:schemeClr val="accent6">
-                    <a:lumMod val="50000"/>
-                  </a:schemeClr>
-                </a:solidFill>
-                <a:latin typeface="Times New Roman" panose="02020603050405020304" pitchFamily="18" charset="0"/>
-                <a:cs typeface="Times New Roman" panose="02020603050405020304" pitchFamily="18" charset="0"/>
-              </a:rPr>
-              <a:t>Functionalities</a:t>
+              <a:t>Modules and its core Functionalities</a:t>
             </a:r>
           </a:p>
           <a:p>
@@ -10967,15 +10886,6 @@
               </a:rPr>
               <a:t>Demo</a:t>
             </a:r>
-            <a:endParaRPr lang="en" sz="2000" dirty="0" smtClean="0">
-              <a:solidFill>
-                <a:schemeClr val="accent6">
-                  <a:lumMod val="50000"/>
-                </a:schemeClr>
-              </a:solidFill>
-              <a:latin typeface="Times New Roman" panose="02020603050405020304" pitchFamily="18" charset="0"/>
-              <a:cs typeface="Times New Roman" panose="02020603050405020304" pitchFamily="18" charset="0"/>
-            </a:endParaRPr>
           </a:p>
           <a:p>
             <a:pPr marL="571500" indent="-342900"/>
@@ -11523,123 +11433,6 @@
   <p:cSld>
     <p:spTree>
       <p:nvGrpSpPr>
-        <p:cNvPr id="1" name="Shape 71"/>
-        <p:cNvGrpSpPr/>
-        <p:nvPr/>
-      </p:nvGrpSpPr>
-      <p:grpSpPr>
-        <a:xfrm>
-          <a:off x="0" y="0"/>
-          <a:ext cx="0" cy="0"/>
-          <a:chOff x="0" y="0"/>
-          <a:chExt cx="0" cy="0"/>
-        </a:xfrm>
-      </p:grpSpPr>
-      <p:sp>
-        <p:nvSpPr>
-          <p:cNvPr id="2" name="Slide Number Placeholder 1"/>
-          <p:cNvSpPr>
-            <a:spLocks noGrp="1"/>
-          </p:cNvSpPr>
-          <p:nvPr>
-            <p:ph type="sldNum" sz="quarter" idx="12"/>
-          </p:nvPr>
-        </p:nvSpPr>
-        <p:spPr>
-          <a:xfrm>
-            <a:off x="8336046" y="4784465"/>
-            <a:ext cx="584825" cy="273844"/>
-          </a:xfrm>
-        </p:spPr>
-        <p:txBody>
-          <a:bodyPr/>
-          <a:lstStyle/>
-          <a:p>
-            <a:pPr lvl="0">
-              <a:spcBef>
-                <a:spcPts val="0"/>
-              </a:spcBef>
-              <a:buNone/>
-            </a:pPr>
-            <a:fld id="{00000000-1234-1234-1234-123412341234}" type="slidenum">
-              <a:rPr lang="en" b="1" smtClean="0">
-                <a:solidFill>
-                  <a:srgbClr val="FF0000"/>
-                </a:solidFill>
-              </a:rPr>
-              <a:t>5</a:t>
-            </a:fld>
-            <a:endParaRPr lang="en" b="1" dirty="0">
-              <a:solidFill>
-                <a:srgbClr val="FF0000"/>
-              </a:solidFill>
-            </a:endParaRPr>
-          </a:p>
-        </p:txBody>
-      </p:sp>
-      <p:pic>
-        <p:nvPicPr>
-          <p:cNvPr id="1026" name="Picture 2" descr="Image result for demo">
-            <a:hlinkClick r:id="rId3"/>
-          </p:cNvPr>
-          <p:cNvPicPr>
-            <a:picLocks noChangeAspect="1" noChangeArrowheads="1"/>
-          </p:cNvPicPr>
-          <p:nvPr/>
-        </p:nvPicPr>
-        <p:blipFill>
-          <a:blip r:embed="rId4">
-            <a:extLst>
-              <a:ext uri="{28A0092B-C50C-407E-A947-70E740481C1C}">
-                <a14:useLocalDpi xmlns:a14="http://schemas.microsoft.com/office/drawing/2010/main" val="0"/>
-              </a:ext>
-            </a:extLst>
-          </a:blip>
-          <a:srcRect/>
-          <a:stretch>
-            <a:fillRect/>
-          </a:stretch>
-        </p:blipFill>
-        <p:spPr bwMode="auto">
-          <a:xfrm>
-            <a:off x="3321270" y="843626"/>
-            <a:ext cx="3573516" cy="3678618"/>
-          </a:xfrm>
-          <a:prstGeom prst="rect">
-            <a:avLst/>
-          </a:prstGeom>
-          <a:noFill/>
-          <a:extLst>
-            <a:ext uri="{909E8E84-426E-40DD-AFC4-6F175D3DCCD1}">
-              <a14:hiddenFill xmlns:a14="http://schemas.microsoft.com/office/drawing/2010/main">
-                <a:solidFill>
-                  <a:srgbClr val="FFFFFF"/>
-                </a:solidFill>
-              </a14:hiddenFill>
-            </a:ext>
-          </a:extLst>
-        </p:spPr>
-      </p:pic>
-    </p:spTree>
-  </p:cSld>
-  <p:clrMapOvr>
-    <a:masterClrMapping/>
-  </p:clrMapOvr>
-  <p:timing>
-    <p:tnLst>
-      <p:par>
-        <p:cTn id="1" dur="indefinite" restart="never" nodeType="tmRoot"/>
-      </p:par>
-    </p:tnLst>
-  </p:timing>
-</p:sld>
-</file>
-
-<file path=ppt/slides/slide6.xml><?xml version="1.0" encoding="utf-8"?>
-<p:sld xmlns:a="http://schemas.openxmlformats.org/drawingml/2006/main" xmlns:r="http://schemas.openxmlformats.org/officeDocument/2006/relationships" xmlns:p="http://schemas.openxmlformats.org/presentationml/2006/main">
-  <p:cSld>
-    <p:spTree>
-      <p:nvGrpSpPr>
         <p:cNvPr id="1" name=""/>
         <p:cNvGrpSpPr/>
         <p:nvPr/>
@@ -11823,7 +11616,7 @@
                   <a:srgbClr val="FF0000"/>
                 </a:solidFill>
               </a:rPr>
-              <a:t>6</a:t>
+              <a:t>5</a:t>
             </a:fld>
             <a:endParaRPr lang="en" b="1" dirty="0">
               <a:solidFill>
@@ -12063,6 +11856,201 @@
 </p:sld>
 </file>
 
+<file path=ppt/slides/slide6.xml><?xml version="1.0" encoding="utf-8"?>
+<p:sld xmlns:a="http://schemas.openxmlformats.org/drawingml/2006/main" xmlns:r="http://schemas.openxmlformats.org/officeDocument/2006/relationships" xmlns:p="http://schemas.openxmlformats.org/presentationml/2006/main">
+  <p:cSld>
+    <p:spTree>
+      <p:nvGrpSpPr>
+        <p:cNvPr id="1" name=""/>
+        <p:cNvGrpSpPr/>
+        <p:nvPr/>
+      </p:nvGrpSpPr>
+      <p:grpSpPr>
+        <a:xfrm>
+          <a:off x="0" y="0"/>
+          <a:ext cx="0" cy="0"/>
+          <a:chOff x="0" y="0"/>
+          <a:chExt cx="0" cy="0"/>
+        </a:xfrm>
+      </p:grpSpPr>
+      <p:sp>
+        <p:nvSpPr>
+          <p:cNvPr id="2" name="Title 1"/>
+          <p:cNvSpPr>
+            <a:spLocks noGrp="1"/>
+          </p:cNvSpPr>
+          <p:nvPr>
+            <p:ph type="title"/>
+          </p:nvPr>
+        </p:nvSpPr>
+        <p:spPr/>
+        <p:txBody>
+          <a:bodyPr>
+            <a:noAutofit/>
+          </a:bodyPr>
+          <a:lstStyle/>
+          <a:p>
+            <a:r>
+              <a:rPr lang="en-US" sz="3200" b="1" dirty="0" smtClean="0">
+                <a:latin typeface="Calisto MT" panose="02040603050505030304" pitchFamily="18" charset="0"/>
+              </a:rPr>
+              <a:t>Requirements</a:t>
+            </a:r>
+            <a:endParaRPr lang="en-US" sz="3200" b="1" dirty="0">
+              <a:latin typeface="Calisto MT" panose="02040603050505030304" pitchFamily="18" charset="0"/>
+            </a:endParaRPr>
+          </a:p>
+        </p:txBody>
+      </p:sp>
+      <p:sp>
+        <p:nvSpPr>
+          <p:cNvPr id="3" name="Content Placeholder 2"/>
+          <p:cNvSpPr>
+            <a:spLocks noGrp="1"/>
+          </p:cNvSpPr>
+          <p:nvPr>
+            <p:ph idx="1"/>
+          </p:nvPr>
+        </p:nvSpPr>
+        <p:spPr>
+          <a:xfrm>
+            <a:off x="1941909" y="1428750"/>
+            <a:ext cx="6686550" cy="3004667"/>
+          </a:xfrm>
+        </p:spPr>
+        <p:txBody>
+          <a:bodyPr>
+            <a:normAutofit/>
+          </a:bodyPr>
+          <a:lstStyle/>
+          <a:p>
+            <a:pPr marL="0" indent="0">
+              <a:buNone/>
+            </a:pPr>
+            <a:r>
+              <a:rPr lang="en-US" sz="2000" b="1" dirty="0" smtClean="0">
+                <a:latin typeface="Times New Roman" panose="02020603050405020304" pitchFamily="18" charset="0"/>
+                <a:cs typeface="Times New Roman" panose="02020603050405020304" pitchFamily="18" charset="0"/>
+              </a:rPr>
+              <a:t>Student</a:t>
+            </a:r>
+          </a:p>
+          <a:p>
+            <a:r>
+              <a:rPr lang="en-US" sz="2000" dirty="0" smtClean="0">
+                <a:latin typeface="Times New Roman" panose="02020603050405020304" pitchFamily="18" charset="0"/>
+                <a:cs typeface="Times New Roman" panose="02020603050405020304" pitchFamily="18" charset="0"/>
+              </a:rPr>
+              <a:t>Persistent Login </a:t>
+            </a:r>
+          </a:p>
+          <a:p>
+            <a:r>
+              <a:rPr lang="en-US" sz="2000" dirty="0" smtClean="0">
+                <a:latin typeface="Times New Roman" panose="02020603050405020304" pitchFamily="18" charset="0"/>
+                <a:cs typeface="Times New Roman" panose="02020603050405020304" pitchFamily="18" charset="0"/>
+              </a:rPr>
+              <a:t>Scan the QR code</a:t>
+            </a:r>
+          </a:p>
+          <a:p>
+            <a:r>
+              <a:rPr lang="en-US" sz="2000" dirty="0" smtClean="0">
+                <a:latin typeface="Times New Roman" panose="02020603050405020304" pitchFamily="18" charset="0"/>
+                <a:cs typeface="Times New Roman" panose="02020603050405020304" pitchFamily="18" charset="0"/>
+              </a:rPr>
+              <a:t>View attendance percentage according to the courses he/she registered</a:t>
+            </a:r>
+          </a:p>
+          <a:p>
+            <a:r>
+              <a:rPr lang="en-US" sz="2000" dirty="0">
+                <a:latin typeface="Times New Roman" panose="02020603050405020304" pitchFamily="18" charset="0"/>
+                <a:cs typeface="Times New Roman" panose="02020603050405020304" pitchFamily="18" charset="0"/>
+              </a:rPr>
+              <a:t>Once logged out, cannot login within 24 </a:t>
+            </a:r>
+            <a:r>
+              <a:rPr lang="en-US" sz="2000" dirty="0" smtClean="0">
+                <a:latin typeface="Times New Roman" panose="02020603050405020304" pitchFamily="18" charset="0"/>
+                <a:cs typeface="Times New Roman" panose="02020603050405020304" pitchFamily="18" charset="0"/>
+              </a:rPr>
+              <a:t>hours</a:t>
+            </a:r>
+          </a:p>
+          <a:p>
+            <a:r>
+              <a:rPr lang="en-US" sz="2000" dirty="0" smtClean="0">
+                <a:latin typeface="Times New Roman" panose="02020603050405020304" pitchFamily="18" charset="0"/>
+                <a:cs typeface="Times New Roman" panose="02020603050405020304" pitchFamily="18" charset="0"/>
+              </a:rPr>
+              <a:t>Feedback</a:t>
+            </a:r>
+          </a:p>
+        </p:txBody>
+      </p:sp>
+      <p:sp>
+        <p:nvSpPr>
+          <p:cNvPr id="4" name="Slide Number Placeholder 3"/>
+          <p:cNvSpPr>
+            <a:spLocks noGrp="1"/>
+          </p:cNvSpPr>
+          <p:nvPr>
+            <p:ph type="sldNum" sz="quarter" idx="12"/>
+          </p:nvPr>
+        </p:nvSpPr>
+        <p:spPr>
+          <a:xfrm>
+            <a:off x="8446159" y="4731323"/>
+            <a:ext cx="584825" cy="273844"/>
+          </a:xfrm>
+        </p:spPr>
+        <p:txBody>
+          <a:bodyPr/>
+          <a:lstStyle/>
+          <a:p>
+            <a:pPr lvl="0" algn="r">
+              <a:spcBef>
+                <a:spcPts val="0"/>
+              </a:spcBef>
+              <a:buNone/>
+            </a:pPr>
+            <a:fld id="{00000000-1234-1234-1234-123412341234}" type="slidenum">
+              <a:rPr lang="en" b="1" smtClean="0">
+                <a:solidFill>
+                  <a:srgbClr val="FF0000"/>
+                </a:solidFill>
+              </a:rPr>
+              <a:t>6</a:t>
+            </a:fld>
+            <a:endParaRPr lang="en" b="1" dirty="0">
+              <a:solidFill>
+                <a:srgbClr val="FF0000"/>
+              </a:solidFill>
+            </a:endParaRPr>
+          </a:p>
+        </p:txBody>
+      </p:sp>
+    </p:spTree>
+    <p:extLst>
+      <p:ext uri="{BB962C8B-B14F-4D97-AF65-F5344CB8AC3E}">
+        <p14:creationId xmlns:p14="http://schemas.microsoft.com/office/powerpoint/2010/main" val="387381346"/>
+      </p:ext>
+    </p:extLst>
+  </p:cSld>
+  <p:clrMapOvr>
+    <a:masterClrMapping/>
+  </p:clrMapOvr>
+  <p:timing>
+    <p:tnLst>
+      <p:par>
+        <p:cTn id="1" dur="indefinite" restart="never" nodeType="tmRoot"/>
+      </p:par>
+    </p:tnLst>
+  </p:timing>
+</p:sld>
+</file>
+
 <file path=ppt/slides/slide7.xml><?xml version="1.0" encoding="utf-8"?>
 <p:sld xmlns:a="http://schemas.openxmlformats.org/drawingml/2006/main" xmlns:r="http://schemas.openxmlformats.org/officeDocument/2006/relationships" xmlns:p="http://schemas.openxmlformats.org/presentationml/2006/main">
   <p:cSld>
@@ -12093,7 +12081,7 @@
         <p:spPr/>
         <p:txBody>
           <a:bodyPr>
-            <a:noAutofit/>
+            <a:normAutofit/>
           </a:bodyPr>
           <a:lstStyle/>
           <a:p>
@@ -12101,7 +12089,7 @@
               <a:rPr lang="en-US" sz="3200" b="1" dirty="0" smtClean="0">
                 <a:latin typeface="Calisto MT" panose="02040603050505030304" pitchFamily="18" charset="0"/>
               </a:rPr>
-              <a:t>Requirements</a:t>
+              <a:t>Iteration Plan</a:t>
             </a:r>
             <a:endParaRPr lang="en-US" sz="3200" b="1" dirty="0">
               <a:latin typeface="Calisto MT" panose="02040603050505030304" pitchFamily="18" charset="0"/>
@@ -12109,93 +12097,32 @@
           </a:p>
         </p:txBody>
       </p:sp>
-      <p:sp>
-        <p:nvSpPr>
-          <p:cNvPr id="3" name="Content Placeholder 2"/>
-          <p:cNvSpPr>
-            <a:spLocks noGrp="1"/>
-          </p:cNvSpPr>
+      <p:pic>
+        <p:nvPicPr>
+          <p:cNvPr id="5" name="Content Placeholder 4"/>
+          <p:cNvPicPr>
+            <a:picLocks noGrp="1" noChangeAspect="1"/>
+          </p:cNvPicPr>
           <p:nvPr>
             <p:ph idx="1"/>
           </p:nvPr>
-        </p:nvSpPr>
+        </p:nvPicPr>
+        <p:blipFill>
+          <a:blip r:embed="rId2"/>
+          <a:stretch>
+            <a:fillRect/>
+          </a:stretch>
+        </p:blipFill>
         <p:spPr>
           <a:xfrm>
-            <a:off x="1941909" y="1428750"/>
-            <a:ext cx="6686550" cy="3004667"/>
+            <a:off x="983685" y="1282261"/>
+            <a:ext cx="7644774" cy="3689131"/>
           </a:xfrm>
+          <a:prstGeom prst="rect">
+            <a:avLst/>
+          </a:prstGeom>
         </p:spPr>
-        <p:txBody>
-          <a:bodyPr>
-            <a:normAutofit/>
-          </a:bodyPr>
-          <a:lstStyle/>
-          <a:p>
-            <a:pPr marL="0" indent="0">
-              <a:buNone/>
-            </a:pPr>
-            <a:r>
-              <a:rPr lang="en-US" sz="2000" b="1" dirty="0" smtClean="0">
-                <a:latin typeface="Times New Roman" panose="02020603050405020304" pitchFamily="18" charset="0"/>
-                <a:cs typeface="Times New Roman" panose="02020603050405020304" pitchFamily="18" charset="0"/>
-              </a:rPr>
-              <a:t>Student</a:t>
-            </a:r>
-          </a:p>
-          <a:p>
-            <a:r>
-              <a:rPr lang="en-US" sz="2000" dirty="0" smtClean="0">
-                <a:latin typeface="Times New Roman" panose="02020603050405020304" pitchFamily="18" charset="0"/>
-                <a:cs typeface="Times New Roman" panose="02020603050405020304" pitchFamily="18" charset="0"/>
-              </a:rPr>
-              <a:t>Persistent Login </a:t>
-            </a:r>
-          </a:p>
-          <a:p>
-            <a:r>
-              <a:rPr lang="en-US" sz="2000" dirty="0" smtClean="0">
-                <a:latin typeface="Times New Roman" panose="02020603050405020304" pitchFamily="18" charset="0"/>
-                <a:cs typeface="Times New Roman" panose="02020603050405020304" pitchFamily="18" charset="0"/>
-              </a:rPr>
-              <a:t>Scan the QR code</a:t>
-            </a:r>
-          </a:p>
-          <a:p>
-            <a:r>
-              <a:rPr lang="en-US" sz="2000" dirty="0" smtClean="0">
-                <a:latin typeface="Times New Roman" panose="02020603050405020304" pitchFamily="18" charset="0"/>
-                <a:cs typeface="Times New Roman" panose="02020603050405020304" pitchFamily="18" charset="0"/>
-              </a:rPr>
-              <a:t>View attendance percentage according to the courses he/she registered</a:t>
-            </a:r>
-          </a:p>
-          <a:p>
-            <a:r>
-              <a:rPr lang="en-US" sz="2000" dirty="0">
-                <a:latin typeface="Times New Roman" panose="02020603050405020304" pitchFamily="18" charset="0"/>
-                <a:cs typeface="Times New Roman" panose="02020603050405020304" pitchFamily="18" charset="0"/>
-              </a:rPr>
-              <a:t>Once logged out, cannot login within 24 </a:t>
-            </a:r>
-            <a:r>
-              <a:rPr lang="en-US" sz="2000" dirty="0" smtClean="0">
-                <a:latin typeface="Times New Roman" panose="02020603050405020304" pitchFamily="18" charset="0"/>
-                <a:cs typeface="Times New Roman" panose="02020603050405020304" pitchFamily="18" charset="0"/>
-              </a:rPr>
-              <a:t>hours</a:t>
-            </a:r>
-          </a:p>
-          <a:p>
-            <a:r>
-              <a:rPr lang="en-US" sz="2000" dirty="0" smtClean="0">
-                <a:latin typeface="Times New Roman" panose="02020603050405020304" pitchFamily="18" charset="0"/>
-                <a:cs typeface="Times New Roman" panose="02020603050405020304" pitchFamily="18" charset="0"/>
-              </a:rPr>
-              <a:t>Feedback</a:t>
-            </a:r>
-          </a:p>
-        </p:txBody>
-      </p:sp>
+      </p:pic>
       <p:sp>
         <p:nvSpPr>
           <p:cNvPr id="4" name="Slide Number Placeholder 3"/>
@@ -12206,12 +12133,7 @@
             <p:ph type="sldNum" sz="quarter" idx="12"/>
           </p:nvPr>
         </p:nvSpPr>
-        <p:spPr>
-          <a:xfrm>
-            <a:off x="8446159" y="4731323"/>
-            <a:ext cx="584825" cy="273844"/>
-          </a:xfrm>
-        </p:spPr>
+        <p:spPr/>
         <p:txBody>
           <a:bodyPr/>
           <a:lstStyle/>
@@ -12223,16 +12145,16 @@
               <a:buNone/>
             </a:pPr>
             <a:fld id="{00000000-1234-1234-1234-123412341234}" type="slidenum">
-              <a:rPr lang="en" b="1" smtClean="0">
+              <a:rPr lang="en" sz="1000" smtClean="0">
                 <a:solidFill>
-                  <a:srgbClr val="FF0000"/>
+                  <a:schemeClr val="dk2"/>
                 </a:solidFill>
               </a:rPr>
               <a:t>7</a:t>
             </a:fld>
-            <a:endParaRPr lang="en" b="1" dirty="0">
+            <a:endParaRPr lang="en" sz="1000">
               <a:solidFill>
-                <a:srgbClr val="FF0000"/>
+                <a:schemeClr val="dk2"/>
               </a:solidFill>
             </a:endParaRPr>
           </a:p>
@@ -12241,7 +12163,7 @@
     </p:spTree>
     <p:extLst>
       <p:ext uri="{BB962C8B-B14F-4D97-AF65-F5344CB8AC3E}">
-        <p14:creationId xmlns:p14="http://schemas.microsoft.com/office/powerpoint/2010/main" val="387381346"/>
+        <p14:creationId xmlns:p14="http://schemas.microsoft.com/office/powerpoint/2010/main" val="1664138981"/>
       </p:ext>
     </p:extLst>
   </p:cSld>
@@ -12287,20 +12209,16 @@
         </p:nvSpPr>
         <p:spPr/>
         <p:txBody>
-          <a:bodyPr>
-            <a:normAutofit/>
-          </a:bodyPr>
+          <a:bodyPr/>
           <a:lstStyle/>
           <a:p>
             <a:r>
-              <a:rPr lang="en-US" sz="3200" b="1" dirty="0" smtClean="0">
+              <a:rPr lang="en-US" sz="2800" b="1" dirty="0">
                 <a:latin typeface="Calisto MT" panose="02040603050505030304" pitchFamily="18" charset="0"/>
               </a:rPr>
               <a:t>Iteration Plan</a:t>
             </a:r>
-            <a:endParaRPr lang="en-US" sz="3200" b="1" dirty="0">
-              <a:latin typeface="Calisto MT" panose="02040603050505030304" pitchFamily="18" charset="0"/>
-            </a:endParaRPr>
+            <a:endParaRPr lang="en-US" dirty="0"/>
           </a:p>
         </p:txBody>
       </p:sp>
@@ -12322,8 +12240,8 @@
         </p:blipFill>
         <p:spPr>
           <a:xfrm>
-            <a:off x="983685" y="1282261"/>
-            <a:ext cx="7644774" cy="3689131"/>
+            <a:off x="1261241" y="1114097"/>
+            <a:ext cx="7367218" cy="3804744"/>
           </a:xfrm>
           <a:prstGeom prst="rect">
             <a:avLst/>
@@ -12370,7 +12288,7 @@
     </p:spTree>
     <p:extLst>
       <p:ext uri="{BB962C8B-B14F-4D97-AF65-F5344CB8AC3E}">
-        <p14:creationId xmlns:p14="http://schemas.microsoft.com/office/powerpoint/2010/main" val="1664138981"/>
+        <p14:creationId xmlns:p14="http://schemas.microsoft.com/office/powerpoint/2010/main" val="784496314"/>
       </p:ext>
     </p:extLst>
   </p:cSld>
@@ -12392,7 +12310,7 @@
   <p:cSld>
     <p:spTree>
       <p:nvGrpSpPr>
-        <p:cNvPr id="1" name=""/>
+        <p:cNvPr id="1" name="Shape 71"/>
         <p:cNvGrpSpPr/>
         <p:nvPr/>
       </p:nvGrpSpPr>
@@ -12406,96 +12324,93 @@
       </p:grpSpPr>
       <p:sp>
         <p:nvSpPr>
-          <p:cNvPr id="2" name="Title 1"/>
+          <p:cNvPr id="2" name="Slide Number Placeholder 1"/>
           <p:cNvSpPr>
             <a:spLocks noGrp="1"/>
           </p:cNvSpPr>
           <p:nvPr>
-            <p:ph type="title"/>
-          </p:nvPr>
-        </p:nvSpPr>
-        <p:spPr/>
+            <p:ph type="sldNum" sz="quarter" idx="12"/>
+          </p:nvPr>
+        </p:nvSpPr>
+        <p:spPr>
+          <a:xfrm>
+            <a:off x="8336046" y="4784465"/>
+            <a:ext cx="584825" cy="273844"/>
+          </a:xfrm>
+        </p:spPr>
         <p:txBody>
           <a:bodyPr/>
           <a:lstStyle/>
           <a:p>
-            <a:r>
-              <a:rPr lang="en-US" sz="2800" b="1" dirty="0">
-                <a:latin typeface="Calisto MT" panose="02040603050505030304" pitchFamily="18" charset="0"/>
+            <a:pPr lvl="0">
+              <a:spcBef>
+                <a:spcPts val="0"/>
+              </a:spcBef>
+              <a:buNone/>
+            </a:pPr>
+            <a:fld id="{00000000-1234-1234-1234-123412341234}" type="slidenum">
+              <a:rPr lang="en" b="1" smtClean="0">
+                <a:solidFill>
+                  <a:srgbClr val="FF0000"/>
+                </a:solidFill>
               </a:rPr>
-              <a:t>Iteration Plan</a:t>
-            </a:r>
-            <a:endParaRPr lang="en-US" dirty="0"/>
+              <a:t>9</a:t>
+            </a:fld>
+            <a:endParaRPr lang="en" b="1" dirty="0">
+              <a:solidFill>
+                <a:srgbClr val="FF0000"/>
+              </a:solidFill>
+            </a:endParaRPr>
           </a:p>
         </p:txBody>
       </p:sp>
       <p:pic>
         <p:nvPicPr>
-          <p:cNvPr id="5" name="Content Placeholder 4"/>
+          <p:cNvPr id="1026" name="Picture 2" descr="Image result for demo">
+            <a:hlinkClick r:id="rId3"/>
+          </p:cNvPr>
           <p:cNvPicPr>
-            <a:picLocks noGrp="1" noChangeAspect="1"/>
+            <a:picLocks noChangeAspect="1" noChangeArrowheads="1"/>
           </p:cNvPicPr>
-          <p:nvPr>
-            <p:ph idx="1"/>
-          </p:nvPr>
+          <p:nvPr/>
         </p:nvPicPr>
         <p:blipFill>
-          <a:blip r:embed="rId2"/>
+          <a:blip r:embed="rId4">
+            <a:extLst>
+              <a:ext uri="{28A0092B-C50C-407E-A947-70E740481C1C}">
+                <a14:useLocalDpi xmlns:a14="http://schemas.microsoft.com/office/drawing/2010/main" val="0"/>
+              </a:ext>
+            </a:extLst>
+          </a:blip>
+          <a:srcRect/>
           <a:stretch>
             <a:fillRect/>
           </a:stretch>
         </p:blipFill>
-        <p:spPr>
+        <p:spPr bwMode="auto">
           <a:xfrm>
-            <a:off x="1261241" y="1114097"/>
-            <a:ext cx="7367218" cy="3804744"/>
+            <a:off x="3321270" y="843626"/>
+            <a:ext cx="3573516" cy="3678618"/>
           </a:xfrm>
           <a:prstGeom prst="rect">
             <a:avLst/>
           </a:prstGeom>
+          <a:noFill/>
+          <a:extLst>
+            <a:ext uri="{909E8E84-426E-40DD-AFC4-6F175D3DCCD1}">
+              <a14:hiddenFill xmlns:a14="http://schemas.microsoft.com/office/drawing/2010/main">
+                <a:solidFill>
+                  <a:srgbClr val="FFFFFF"/>
+                </a:solidFill>
+              </a14:hiddenFill>
+            </a:ext>
+          </a:extLst>
         </p:spPr>
       </p:pic>
-      <p:sp>
-        <p:nvSpPr>
-          <p:cNvPr id="4" name="Slide Number Placeholder 3"/>
-          <p:cNvSpPr>
-            <a:spLocks noGrp="1"/>
-          </p:cNvSpPr>
-          <p:nvPr>
-            <p:ph type="sldNum" sz="quarter" idx="12"/>
-          </p:nvPr>
-        </p:nvSpPr>
-        <p:spPr/>
-        <p:txBody>
-          <a:bodyPr/>
-          <a:lstStyle/>
-          <a:p>
-            <a:pPr lvl="0" algn="r">
-              <a:spcBef>
-                <a:spcPts val="0"/>
-              </a:spcBef>
-              <a:buNone/>
-            </a:pPr>
-            <a:fld id="{00000000-1234-1234-1234-123412341234}" type="slidenum">
-              <a:rPr lang="en" sz="1000" smtClean="0">
-                <a:solidFill>
-                  <a:schemeClr val="dk2"/>
-                </a:solidFill>
-              </a:rPr>
-              <a:t>9</a:t>
-            </a:fld>
-            <a:endParaRPr lang="en" sz="1000">
-              <a:solidFill>
-                <a:schemeClr val="dk2"/>
-              </a:solidFill>
-            </a:endParaRPr>
-          </a:p>
-        </p:txBody>
-      </p:sp>
     </p:spTree>
     <p:extLst>
       <p:ext uri="{BB962C8B-B14F-4D97-AF65-F5344CB8AC3E}">
-        <p14:creationId xmlns:p14="http://schemas.microsoft.com/office/powerpoint/2010/main" val="784496314"/>
+        <p14:creationId xmlns:p14="http://schemas.microsoft.com/office/powerpoint/2010/main" val="1430652711"/>
       </p:ext>
     </p:extLst>
   </p:cSld>

--- a/Team B - Code Green - MidtermPresentation.pptx
+++ b/Team B - Code Green - MidtermPresentation.pptx
@@ -14,9 +14,9 @@
     <p:sldId id="268" r:id="rId5"/>
     <p:sldId id="271" r:id="rId6"/>
     <p:sldId id="269" r:id="rId7"/>
-    <p:sldId id="272" r:id="rId8"/>
-    <p:sldId id="273" r:id="rId9"/>
-    <p:sldId id="274" r:id="rId10"/>
+    <p:sldId id="274" r:id="rId8"/>
+    <p:sldId id="272" r:id="rId9"/>
+    <p:sldId id="273" r:id="rId10"/>
     <p:sldId id="262" r:id="rId11"/>
     <p:sldId id="261" r:id="rId12"/>
     <p:sldId id="266" r:id="rId13"/>
@@ -9716,14 +9716,7 @@
                 <a:latin typeface="Times New Roman" panose="02020603050405020304" pitchFamily="18" charset="0"/>
                 <a:cs typeface="Times New Roman" panose="02020603050405020304" pitchFamily="18" charset="0"/>
               </a:rPr>
-              <a:t>Deploying the swift code in iOS-11</a:t>
-            </a:r>
-            <a:r>
-              <a:rPr lang="en-US" sz="2000" dirty="0" smtClean="0">
-                <a:latin typeface="Times New Roman" panose="02020603050405020304" pitchFamily="18" charset="0"/>
-                <a:cs typeface="Times New Roman" panose="02020603050405020304" pitchFamily="18" charset="0"/>
-              </a:rPr>
-              <a:t>.</a:t>
+              <a:t>Deploying the swift code in iOS-11.</a:t>
             </a:r>
           </a:p>
           <a:p>
@@ -9740,10 +9733,6 @@
               </a:rPr>
               <a:t>Writing code in Swift 4.</a:t>
             </a:r>
-            <a:endParaRPr lang="en-US" sz="2000" dirty="0" smtClean="0">
-              <a:latin typeface="Times New Roman" panose="02020603050405020304" pitchFamily="18" charset="0"/>
-              <a:cs typeface="Times New Roman" panose="02020603050405020304" pitchFamily="18" charset="0"/>
-            </a:endParaRPr>
           </a:p>
           <a:p>
             <a:endParaRPr lang="en-US" sz="2000" dirty="0">
@@ -12056,260 +12045,6 @@
   <p:cSld>
     <p:spTree>
       <p:nvGrpSpPr>
-        <p:cNvPr id="1" name=""/>
-        <p:cNvGrpSpPr/>
-        <p:nvPr/>
-      </p:nvGrpSpPr>
-      <p:grpSpPr>
-        <a:xfrm>
-          <a:off x="0" y="0"/>
-          <a:ext cx="0" cy="0"/>
-          <a:chOff x="0" y="0"/>
-          <a:chExt cx="0" cy="0"/>
-        </a:xfrm>
-      </p:grpSpPr>
-      <p:sp>
-        <p:nvSpPr>
-          <p:cNvPr id="2" name="Title 1"/>
-          <p:cNvSpPr>
-            <a:spLocks noGrp="1"/>
-          </p:cNvSpPr>
-          <p:nvPr>
-            <p:ph type="title"/>
-          </p:nvPr>
-        </p:nvSpPr>
-        <p:spPr/>
-        <p:txBody>
-          <a:bodyPr>
-            <a:normAutofit/>
-          </a:bodyPr>
-          <a:lstStyle/>
-          <a:p>
-            <a:r>
-              <a:rPr lang="en-US" sz="3200" b="1" dirty="0" smtClean="0">
-                <a:latin typeface="Calisto MT" panose="02040603050505030304" pitchFamily="18" charset="0"/>
-              </a:rPr>
-              <a:t>Iteration Plan</a:t>
-            </a:r>
-            <a:endParaRPr lang="en-US" sz="3200" b="1" dirty="0">
-              <a:latin typeface="Calisto MT" panose="02040603050505030304" pitchFamily="18" charset="0"/>
-            </a:endParaRPr>
-          </a:p>
-        </p:txBody>
-      </p:sp>
-      <p:pic>
-        <p:nvPicPr>
-          <p:cNvPr id="5" name="Content Placeholder 4"/>
-          <p:cNvPicPr>
-            <a:picLocks noGrp="1" noChangeAspect="1"/>
-          </p:cNvPicPr>
-          <p:nvPr>
-            <p:ph idx="1"/>
-          </p:nvPr>
-        </p:nvPicPr>
-        <p:blipFill>
-          <a:blip r:embed="rId2"/>
-          <a:stretch>
-            <a:fillRect/>
-          </a:stretch>
-        </p:blipFill>
-        <p:spPr>
-          <a:xfrm>
-            <a:off x="983685" y="1282261"/>
-            <a:ext cx="7644774" cy="3689131"/>
-          </a:xfrm>
-          <a:prstGeom prst="rect">
-            <a:avLst/>
-          </a:prstGeom>
-        </p:spPr>
-      </p:pic>
-      <p:sp>
-        <p:nvSpPr>
-          <p:cNvPr id="4" name="Slide Number Placeholder 3"/>
-          <p:cNvSpPr>
-            <a:spLocks noGrp="1"/>
-          </p:cNvSpPr>
-          <p:nvPr>
-            <p:ph type="sldNum" sz="quarter" idx="12"/>
-          </p:nvPr>
-        </p:nvSpPr>
-        <p:spPr/>
-        <p:txBody>
-          <a:bodyPr/>
-          <a:lstStyle/>
-          <a:p>
-            <a:pPr lvl="0" algn="r">
-              <a:spcBef>
-                <a:spcPts val="0"/>
-              </a:spcBef>
-              <a:buNone/>
-            </a:pPr>
-            <a:fld id="{00000000-1234-1234-1234-123412341234}" type="slidenum">
-              <a:rPr lang="en" sz="1000" smtClean="0">
-                <a:solidFill>
-                  <a:schemeClr val="dk2"/>
-                </a:solidFill>
-              </a:rPr>
-              <a:t>7</a:t>
-            </a:fld>
-            <a:endParaRPr lang="en" sz="1000">
-              <a:solidFill>
-                <a:schemeClr val="dk2"/>
-              </a:solidFill>
-            </a:endParaRPr>
-          </a:p>
-        </p:txBody>
-      </p:sp>
-    </p:spTree>
-    <p:extLst>
-      <p:ext uri="{BB962C8B-B14F-4D97-AF65-F5344CB8AC3E}">
-        <p14:creationId xmlns:p14="http://schemas.microsoft.com/office/powerpoint/2010/main" val="1664138981"/>
-      </p:ext>
-    </p:extLst>
-  </p:cSld>
-  <p:clrMapOvr>
-    <a:masterClrMapping/>
-  </p:clrMapOvr>
-  <p:timing>
-    <p:tnLst>
-      <p:par>
-        <p:cTn id="1" dur="indefinite" restart="never" nodeType="tmRoot"/>
-      </p:par>
-    </p:tnLst>
-  </p:timing>
-</p:sld>
-</file>
-
-<file path=ppt/slides/slide8.xml><?xml version="1.0" encoding="utf-8"?>
-<p:sld xmlns:a="http://schemas.openxmlformats.org/drawingml/2006/main" xmlns:r="http://schemas.openxmlformats.org/officeDocument/2006/relationships" xmlns:p="http://schemas.openxmlformats.org/presentationml/2006/main">
-  <p:cSld>
-    <p:spTree>
-      <p:nvGrpSpPr>
-        <p:cNvPr id="1" name=""/>
-        <p:cNvGrpSpPr/>
-        <p:nvPr/>
-      </p:nvGrpSpPr>
-      <p:grpSpPr>
-        <a:xfrm>
-          <a:off x="0" y="0"/>
-          <a:ext cx="0" cy="0"/>
-          <a:chOff x="0" y="0"/>
-          <a:chExt cx="0" cy="0"/>
-        </a:xfrm>
-      </p:grpSpPr>
-      <p:sp>
-        <p:nvSpPr>
-          <p:cNvPr id="2" name="Title 1"/>
-          <p:cNvSpPr>
-            <a:spLocks noGrp="1"/>
-          </p:cNvSpPr>
-          <p:nvPr>
-            <p:ph type="title"/>
-          </p:nvPr>
-        </p:nvSpPr>
-        <p:spPr/>
-        <p:txBody>
-          <a:bodyPr/>
-          <a:lstStyle/>
-          <a:p>
-            <a:r>
-              <a:rPr lang="en-US" sz="2800" b="1" dirty="0">
-                <a:latin typeface="Calisto MT" panose="02040603050505030304" pitchFamily="18" charset="0"/>
-              </a:rPr>
-              <a:t>Iteration Plan</a:t>
-            </a:r>
-            <a:endParaRPr lang="en-US" dirty="0"/>
-          </a:p>
-        </p:txBody>
-      </p:sp>
-      <p:pic>
-        <p:nvPicPr>
-          <p:cNvPr id="5" name="Content Placeholder 4"/>
-          <p:cNvPicPr>
-            <a:picLocks noGrp="1" noChangeAspect="1"/>
-          </p:cNvPicPr>
-          <p:nvPr>
-            <p:ph idx="1"/>
-          </p:nvPr>
-        </p:nvPicPr>
-        <p:blipFill>
-          <a:blip r:embed="rId2"/>
-          <a:stretch>
-            <a:fillRect/>
-          </a:stretch>
-        </p:blipFill>
-        <p:spPr>
-          <a:xfrm>
-            <a:off x="1261241" y="1114097"/>
-            <a:ext cx="7367218" cy="3804744"/>
-          </a:xfrm>
-          <a:prstGeom prst="rect">
-            <a:avLst/>
-          </a:prstGeom>
-        </p:spPr>
-      </p:pic>
-      <p:sp>
-        <p:nvSpPr>
-          <p:cNvPr id="4" name="Slide Number Placeholder 3"/>
-          <p:cNvSpPr>
-            <a:spLocks noGrp="1"/>
-          </p:cNvSpPr>
-          <p:nvPr>
-            <p:ph type="sldNum" sz="quarter" idx="12"/>
-          </p:nvPr>
-        </p:nvSpPr>
-        <p:spPr/>
-        <p:txBody>
-          <a:bodyPr/>
-          <a:lstStyle/>
-          <a:p>
-            <a:pPr lvl="0" algn="r">
-              <a:spcBef>
-                <a:spcPts val="0"/>
-              </a:spcBef>
-              <a:buNone/>
-            </a:pPr>
-            <a:fld id="{00000000-1234-1234-1234-123412341234}" type="slidenum">
-              <a:rPr lang="en" sz="1000" smtClean="0">
-                <a:solidFill>
-                  <a:schemeClr val="dk2"/>
-                </a:solidFill>
-              </a:rPr>
-              <a:t>8</a:t>
-            </a:fld>
-            <a:endParaRPr lang="en" sz="1000">
-              <a:solidFill>
-                <a:schemeClr val="dk2"/>
-              </a:solidFill>
-            </a:endParaRPr>
-          </a:p>
-        </p:txBody>
-      </p:sp>
-    </p:spTree>
-    <p:extLst>
-      <p:ext uri="{BB962C8B-B14F-4D97-AF65-F5344CB8AC3E}">
-        <p14:creationId xmlns:p14="http://schemas.microsoft.com/office/powerpoint/2010/main" val="784496314"/>
-      </p:ext>
-    </p:extLst>
-  </p:cSld>
-  <p:clrMapOvr>
-    <a:masterClrMapping/>
-  </p:clrMapOvr>
-  <p:timing>
-    <p:tnLst>
-      <p:par>
-        <p:cTn id="1" dur="indefinite" restart="never" nodeType="tmRoot"/>
-      </p:par>
-    </p:tnLst>
-  </p:timing>
-</p:sld>
-</file>
-
-<file path=ppt/slides/slide9.xml><?xml version="1.0" encoding="utf-8"?>
-<p:sld xmlns:a="http://schemas.openxmlformats.org/drawingml/2006/main" xmlns:r="http://schemas.openxmlformats.org/officeDocument/2006/relationships" xmlns:p="http://schemas.openxmlformats.org/presentationml/2006/main">
-  <p:cSld>
-    <p:spTree>
-      <p:nvGrpSpPr>
         <p:cNvPr id="1" name="Shape 71"/>
         <p:cNvGrpSpPr/>
         <p:nvPr/>
@@ -12354,7 +12089,7 @@
                   <a:srgbClr val="FF0000"/>
                 </a:solidFill>
               </a:rPr>
-              <a:t>9</a:t>
+              <a:t>7</a:t>
             </a:fld>
             <a:endParaRPr lang="en" b="1" dirty="0">
               <a:solidFill>
@@ -12411,6 +12146,260 @@
     <p:extLst>
       <p:ext uri="{BB962C8B-B14F-4D97-AF65-F5344CB8AC3E}">
         <p14:creationId xmlns:p14="http://schemas.microsoft.com/office/powerpoint/2010/main" val="1430652711"/>
+      </p:ext>
+    </p:extLst>
+  </p:cSld>
+  <p:clrMapOvr>
+    <a:masterClrMapping/>
+  </p:clrMapOvr>
+  <p:timing>
+    <p:tnLst>
+      <p:par>
+        <p:cTn id="1" dur="indefinite" restart="never" nodeType="tmRoot"/>
+      </p:par>
+    </p:tnLst>
+  </p:timing>
+</p:sld>
+</file>
+
+<file path=ppt/slides/slide8.xml><?xml version="1.0" encoding="utf-8"?>
+<p:sld xmlns:a="http://schemas.openxmlformats.org/drawingml/2006/main" xmlns:r="http://schemas.openxmlformats.org/officeDocument/2006/relationships" xmlns:p="http://schemas.openxmlformats.org/presentationml/2006/main">
+  <p:cSld>
+    <p:spTree>
+      <p:nvGrpSpPr>
+        <p:cNvPr id="1" name=""/>
+        <p:cNvGrpSpPr/>
+        <p:nvPr/>
+      </p:nvGrpSpPr>
+      <p:grpSpPr>
+        <a:xfrm>
+          <a:off x="0" y="0"/>
+          <a:ext cx="0" cy="0"/>
+          <a:chOff x="0" y="0"/>
+          <a:chExt cx="0" cy="0"/>
+        </a:xfrm>
+      </p:grpSpPr>
+      <p:sp>
+        <p:nvSpPr>
+          <p:cNvPr id="2" name="Title 1"/>
+          <p:cNvSpPr>
+            <a:spLocks noGrp="1"/>
+          </p:cNvSpPr>
+          <p:nvPr>
+            <p:ph type="title"/>
+          </p:nvPr>
+        </p:nvSpPr>
+        <p:spPr/>
+        <p:txBody>
+          <a:bodyPr>
+            <a:normAutofit/>
+          </a:bodyPr>
+          <a:lstStyle/>
+          <a:p>
+            <a:r>
+              <a:rPr lang="en-US" sz="3200" b="1" dirty="0" smtClean="0">
+                <a:latin typeface="Calisto MT" panose="02040603050505030304" pitchFamily="18" charset="0"/>
+              </a:rPr>
+              <a:t>Iteration Plan</a:t>
+            </a:r>
+            <a:endParaRPr lang="en-US" sz="3200" b="1" dirty="0">
+              <a:latin typeface="Calisto MT" panose="02040603050505030304" pitchFamily="18" charset="0"/>
+            </a:endParaRPr>
+          </a:p>
+        </p:txBody>
+      </p:sp>
+      <p:pic>
+        <p:nvPicPr>
+          <p:cNvPr id="5" name="Content Placeholder 4"/>
+          <p:cNvPicPr>
+            <a:picLocks noGrp="1" noChangeAspect="1"/>
+          </p:cNvPicPr>
+          <p:nvPr>
+            <p:ph idx="1"/>
+          </p:nvPr>
+        </p:nvPicPr>
+        <p:blipFill>
+          <a:blip r:embed="rId2"/>
+          <a:stretch>
+            <a:fillRect/>
+          </a:stretch>
+        </p:blipFill>
+        <p:spPr>
+          <a:xfrm>
+            <a:off x="983685" y="1282261"/>
+            <a:ext cx="7644774" cy="3689131"/>
+          </a:xfrm>
+          <a:prstGeom prst="rect">
+            <a:avLst/>
+          </a:prstGeom>
+        </p:spPr>
+      </p:pic>
+      <p:sp>
+        <p:nvSpPr>
+          <p:cNvPr id="4" name="Slide Number Placeholder 3"/>
+          <p:cNvSpPr>
+            <a:spLocks noGrp="1"/>
+          </p:cNvSpPr>
+          <p:nvPr>
+            <p:ph type="sldNum" sz="quarter" idx="12"/>
+          </p:nvPr>
+        </p:nvSpPr>
+        <p:spPr/>
+        <p:txBody>
+          <a:bodyPr/>
+          <a:lstStyle/>
+          <a:p>
+            <a:pPr lvl="0" algn="r">
+              <a:spcBef>
+                <a:spcPts val="0"/>
+              </a:spcBef>
+              <a:buNone/>
+            </a:pPr>
+            <a:fld id="{00000000-1234-1234-1234-123412341234}" type="slidenum">
+              <a:rPr lang="en" sz="1000" smtClean="0">
+                <a:solidFill>
+                  <a:schemeClr val="dk2"/>
+                </a:solidFill>
+              </a:rPr>
+              <a:t>8</a:t>
+            </a:fld>
+            <a:endParaRPr lang="en" sz="1000">
+              <a:solidFill>
+                <a:schemeClr val="dk2"/>
+              </a:solidFill>
+            </a:endParaRPr>
+          </a:p>
+        </p:txBody>
+      </p:sp>
+    </p:spTree>
+    <p:extLst>
+      <p:ext uri="{BB962C8B-B14F-4D97-AF65-F5344CB8AC3E}">
+        <p14:creationId xmlns:p14="http://schemas.microsoft.com/office/powerpoint/2010/main" val="1664138981"/>
+      </p:ext>
+    </p:extLst>
+  </p:cSld>
+  <p:clrMapOvr>
+    <a:masterClrMapping/>
+  </p:clrMapOvr>
+  <p:timing>
+    <p:tnLst>
+      <p:par>
+        <p:cTn id="1" dur="indefinite" restart="never" nodeType="tmRoot"/>
+      </p:par>
+    </p:tnLst>
+  </p:timing>
+</p:sld>
+</file>
+
+<file path=ppt/slides/slide9.xml><?xml version="1.0" encoding="utf-8"?>
+<p:sld xmlns:a="http://schemas.openxmlformats.org/drawingml/2006/main" xmlns:r="http://schemas.openxmlformats.org/officeDocument/2006/relationships" xmlns:p="http://schemas.openxmlformats.org/presentationml/2006/main">
+  <p:cSld>
+    <p:spTree>
+      <p:nvGrpSpPr>
+        <p:cNvPr id="1" name=""/>
+        <p:cNvGrpSpPr/>
+        <p:nvPr/>
+      </p:nvGrpSpPr>
+      <p:grpSpPr>
+        <a:xfrm>
+          <a:off x="0" y="0"/>
+          <a:ext cx="0" cy="0"/>
+          <a:chOff x="0" y="0"/>
+          <a:chExt cx="0" cy="0"/>
+        </a:xfrm>
+      </p:grpSpPr>
+      <p:sp>
+        <p:nvSpPr>
+          <p:cNvPr id="2" name="Title 1"/>
+          <p:cNvSpPr>
+            <a:spLocks noGrp="1"/>
+          </p:cNvSpPr>
+          <p:nvPr>
+            <p:ph type="title"/>
+          </p:nvPr>
+        </p:nvSpPr>
+        <p:spPr/>
+        <p:txBody>
+          <a:bodyPr/>
+          <a:lstStyle/>
+          <a:p>
+            <a:r>
+              <a:rPr lang="en-US" sz="2800" b="1" dirty="0">
+                <a:latin typeface="Calisto MT" panose="02040603050505030304" pitchFamily="18" charset="0"/>
+              </a:rPr>
+              <a:t>Iteration Plan</a:t>
+            </a:r>
+            <a:endParaRPr lang="en-US" dirty="0"/>
+          </a:p>
+        </p:txBody>
+      </p:sp>
+      <p:pic>
+        <p:nvPicPr>
+          <p:cNvPr id="5" name="Content Placeholder 4"/>
+          <p:cNvPicPr>
+            <a:picLocks noGrp="1" noChangeAspect="1"/>
+          </p:cNvPicPr>
+          <p:nvPr>
+            <p:ph idx="1"/>
+          </p:nvPr>
+        </p:nvPicPr>
+        <p:blipFill>
+          <a:blip r:embed="rId2"/>
+          <a:stretch>
+            <a:fillRect/>
+          </a:stretch>
+        </p:blipFill>
+        <p:spPr>
+          <a:xfrm>
+            <a:off x="1261241" y="1114097"/>
+            <a:ext cx="7367218" cy="3804744"/>
+          </a:xfrm>
+          <a:prstGeom prst="rect">
+            <a:avLst/>
+          </a:prstGeom>
+        </p:spPr>
+      </p:pic>
+      <p:sp>
+        <p:nvSpPr>
+          <p:cNvPr id="4" name="Slide Number Placeholder 3"/>
+          <p:cNvSpPr>
+            <a:spLocks noGrp="1"/>
+          </p:cNvSpPr>
+          <p:nvPr>
+            <p:ph type="sldNum" sz="quarter" idx="12"/>
+          </p:nvPr>
+        </p:nvSpPr>
+        <p:spPr/>
+        <p:txBody>
+          <a:bodyPr/>
+          <a:lstStyle/>
+          <a:p>
+            <a:pPr lvl="0" algn="r">
+              <a:spcBef>
+                <a:spcPts val="0"/>
+              </a:spcBef>
+              <a:buNone/>
+            </a:pPr>
+            <a:fld id="{00000000-1234-1234-1234-123412341234}" type="slidenum">
+              <a:rPr lang="en" sz="1000" smtClean="0">
+                <a:solidFill>
+                  <a:schemeClr val="dk2"/>
+                </a:solidFill>
+              </a:rPr>
+              <a:t>9</a:t>
+            </a:fld>
+            <a:endParaRPr lang="en" sz="1000">
+              <a:solidFill>
+                <a:schemeClr val="dk2"/>
+              </a:solidFill>
+            </a:endParaRPr>
+          </a:p>
+        </p:txBody>
+      </p:sp>
+    </p:spTree>
+    <p:extLst>
+      <p:ext uri="{BB962C8B-B14F-4D97-AF65-F5344CB8AC3E}">
+        <p14:creationId xmlns:p14="http://schemas.microsoft.com/office/powerpoint/2010/main" val="784496314"/>
       </p:ext>
     </p:extLst>
   </p:cSld>

--- a/Team B - Code Green - MidtermPresentation.pptx
+++ b/Team B - Code Green - MidtermPresentation.pptx
@@ -12320,16 +12320,18 @@
         </p:nvSpPr>
         <p:spPr/>
         <p:txBody>
-          <a:bodyPr/>
+          <a:bodyPr>
+            <a:normAutofit/>
+          </a:bodyPr>
           <a:lstStyle/>
           <a:p>
             <a:r>
-              <a:rPr lang="en-US" sz="2800" b="1" dirty="0">
+              <a:rPr lang="en-US" sz="3200" b="1" dirty="0">
                 <a:latin typeface="Calisto MT" panose="02040603050505030304" pitchFamily="18" charset="0"/>
               </a:rPr>
               <a:t>Iteration Plan</a:t>
             </a:r>
-            <a:endParaRPr lang="en-US" dirty="0"/>
+            <a:endParaRPr lang="en-US" sz="2800" dirty="0"/>
           </a:p>
         </p:txBody>
       </p:sp>

--- a/Team B - Code Green - MidtermPresentation.pptx
+++ b/Team B - Code Green - MidtermPresentation.pptx
@@ -1533,7 +1533,7 @@
           <a:p>
             <a:fld id="{A86D14B5-D6B5-4181-83CD-709C891308F3}" type="datetime1">
               <a:rPr lang="en-US" smtClean="0"/>
-              <a:t>10/8/2017</a:t>
+              <a:t>10/9/2017</a:t>
             </a:fld>
             <a:endParaRPr lang="en-US" dirty="0"/>
           </a:p>
@@ -1885,7 +1885,7 @@
           <a:p>
             <a:fld id="{D5E1A2B0-52B3-4A30-8FEF-FDD96AB0E427}" type="datetime1">
               <a:rPr lang="en-US" smtClean="0"/>
-              <a:t>10/8/2017</a:t>
+              <a:t>10/9/2017</a:t>
             </a:fld>
             <a:endParaRPr lang="en-US" dirty="0"/>
           </a:p>
@@ -2300,7 +2300,7 @@
           <a:p>
             <a:fld id="{764241F5-22A3-4733-A025-028C15D5847E}" type="datetime1">
               <a:rPr lang="en-US" smtClean="0"/>
-              <a:t>10/8/2017</a:t>
+              <a:t>10/9/2017</a:t>
             </a:fld>
             <a:endParaRPr lang="en-US" dirty="0"/>
           </a:p>
@@ -2650,7 +2650,7 @@
           <a:p>
             <a:fld id="{94E7150A-F428-4A23-963E-F054CB37C309}" type="datetime1">
               <a:rPr lang="en-US" smtClean="0"/>
-              <a:t>10/8/2017</a:t>
+              <a:t>10/9/2017</a:t>
             </a:fld>
             <a:endParaRPr lang="en-US" dirty="0"/>
           </a:p>
@@ -2984,7 +2984,7 @@
           <a:p>
             <a:fld id="{20563C6E-748B-42CF-B665-E2F61C1238D6}" type="datetime1">
               <a:rPr lang="en-US" smtClean="0"/>
-              <a:t>10/8/2017</a:t>
+              <a:t>10/9/2017</a:t>
             </a:fld>
             <a:endParaRPr lang="en-US" dirty="0"/>
           </a:p>
@@ -3394,7 +3394,7 @@
           <a:p>
             <a:fld id="{9FC38171-4E96-4B7F-86D2-C883AA8F0FFB}" type="datetime1">
               <a:rPr lang="en-US" smtClean="0"/>
-              <a:t>10/8/2017</a:t>
+              <a:t>10/9/2017</a:t>
             </a:fld>
             <a:endParaRPr lang="en-US" dirty="0"/>
           </a:p>
@@ -3665,7 +3665,7 @@
           <a:p>
             <a:fld id="{C9B84BC4-5094-4226-B51C-B3616096189D}" type="datetime1">
               <a:rPr lang="en-US" smtClean="0"/>
-              <a:t>10/8/2017</a:t>
+              <a:t>10/9/2017</a:t>
             </a:fld>
             <a:endParaRPr lang="en-US" dirty="0"/>
           </a:p>
@@ -3941,7 +3941,7 @@
           <a:p>
             <a:fld id="{DCB2C317-E5F4-4777-A940-02E3A9A6DB86}" type="datetime1">
               <a:rPr lang="en-US" smtClean="0"/>
-              <a:t>10/8/2017</a:t>
+              <a:t>10/9/2017</a:t>
             </a:fld>
             <a:endParaRPr lang="en-US" dirty="0"/>
           </a:p>
@@ -4450,7 +4450,7 @@
           <a:p>
             <a:fld id="{BD0F08CF-8349-4D2E-B81F-52338022C962}" type="datetime1">
               <a:rPr lang="en-US" smtClean="0"/>
-              <a:t>10/8/2017</a:t>
+              <a:t>10/9/2017</a:t>
             </a:fld>
             <a:endParaRPr lang="en-US" dirty="0"/>
           </a:p>
@@ -4793,7 +4793,7 @@
           <a:p>
             <a:fld id="{172C4749-C08D-485C-999E-C872B2E793C5}" type="datetime1">
               <a:rPr lang="en-US" smtClean="0"/>
-              <a:t>10/8/2017</a:t>
+              <a:t>10/9/2017</a:t>
             </a:fld>
             <a:endParaRPr lang="en-US" dirty="0"/>
           </a:p>
@@ -5130,7 +5130,7 @@
           <a:p>
             <a:fld id="{EC459C39-C404-4328-887C-B0DBFAF37BC3}" type="datetime1">
               <a:rPr lang="en-US" smtClean="0"/>
-              <a:t>10/8/2017</a:t>
+              <a:t>10/9/2017</a:t>
             </a:fld>
             <a:endParaRPr lang="en-US" dirty="0"/>
           </a:p>
@@ -5601,7 +5601,7 @@
           <a:p>
             <a:fld id="{AC9883BC-D3F0-4D03-B040-E858D8A74D3B}" type="datetime1">
               <a:rPr lang="en-US" smtClean="0"/>
-              <a:t>10/8/2017</a:t>
+              <a:t>10/9/2017</a:t>
             </a:fld>
             <a:endParaRPr lang="en-US" dirty="0"/>
           </a:p>
@@ -5820,7 +5820,7 @@
           <a:p>
             <a:fld id="{D329C594-3B73-46FB-812B-AC0109C3993A}" type="datetime1">
               <a:rPr lang="en-US" smtClean="0"/>
-              <a:t>10/8/2017</a:t>
+              <a:t>10/9/2017</a:t>
             </a:fld>
             <a:endParaRPr lang="en-US" dirty="0"/>
           </a:p>
@@ -6011,7 +6011,7 @@
           <a:p>
             <a:fld id="{F8ED311A-4759-4DF5-BC04-B9647693FCA0}" type="datetime1">
               <a:rPr lang="en-US" smtClean="0"/>
-              <a:t>10/8/2017</a:t>
+              <a:t>10/9/2017</a:t>
             </a:fld>
             <a:endParaRPr lang="en-US" dirty="0"/>
           </a:p>
@@ -6350,7 +6350,7 @@
           <a:p>
             <a:fld id="{74BF47E3-0420-4D61-9336-80DEA03E5DDA}" type="datetime1">
               <a:rPr lang="en-US" smtClean="0"/>
-              <a:t>10/8/2017</a:t>
+              <a:t>10/9/2017</a:t>
             </a:fld>
             <a:endParaRPr lang="en-US" dirty="0"/>
           </a:p>
@@ -6709,7 +6709,7 @@
           <a:p>
             <a:fld id="{6E5312DF-44D9-44E1-B876-6EFA776C69C9}" type="datetime1">
               <a:rPr lang="en-US" smtClean="0"/>
-              <a:t>10/8/2017</a:t>
+              <a:t>10/9/2017</a:t>
             </a:fld>
             <a:endParaRPr lang="en-US" dirty="0"/>
           </a:p>
@@ -8840,7 +8840,7 @@
           <a:p>
             <a:fld id="{1F6DBF66-7432-4788-BBC7-0334E961401F}" type="datetime1">
               <a:rPr lang="en-US" smtClean="0"/>
-              <a:t>10/8/2017</a:t>
+              <a:t>10/9/2017</a:t>
             </a:fld>
             <a:endParaRPr lang="en-US" dirty="0"/>
           </a:p>
@@ -10162,137 +10162,6 @@
       </p:sp>
       <p:sp>
         <p:nvSpPr>
-          <p:cNvPr id="117" name="Shape 117"/>
-          <p:cNvSpPr txBox="1">
-            <a:spLocks noGrp="1"/>
-          </p:cNvSpPr>
-          <p:nvPr>
-            <p:ph type="body" idx="1"/>
-          </p:nvPr>
-        </p:nvSpPr>
-        <p:spPr>
-          <a:xfrm>
-            <a:off x="1767154" y="1448655"/>
-            <a:ext cx="7065145" cy="3120219"/>
-          </a:xfrm>
-          <a:prstGeom prst="rect">
-            <a:avLst/>
-          </a:prstGeom>
-        </p:spPr>
-        <p:txBody>
-          <a:bodyPr lIns="91425" tIns="91425" rIns="91425" bIns="91425" anchor="t" anchorCtr="0">
-            <a:noAutofit/>
-          </a:bodyPr>
-          <a:lstStyle/>
-          <a:p>
-            <a:pPr>
-              <a:buFont typeface="Wingdings" panose="05000000000000000000" pitchFamily="2" charset="2"/>
-              <a:buChar char="Ø"/>
-            </a:pPr>
-            <a:r>
-              <a:rPr lang="en" sz="2000" dirty="0" smtClean="0">
-                <a:latin typeface="Times New Roman" panose="02020603050405020304" pitchFamily="18" charset="0"/>
-                <a:cs typeface="Times New Roman" panose="02020603050405020304" pitchFamily="18" charset="0"/>
-              </a:rPr>
-              <a:t>Completing </a:t>
-            </a:r>
-            <a:r>
-              <a:rPr lang="en" sz="2000" dirty="0">
-                <a:latin typeface="Times New Roman" panose="02020603050405020304" pitchFamily="18" charset="0"/>
-                <a:cs typeface="Times New Roman" panose="02020603050405020304" pitchFamily="18" charset="0"/>
-              </a:rPr>
-              <a:t>the Unit Tests after completion of every functionality which makes us easier to move forward</a:t>
-            </a:r>
-            <a:r>
-              <a:rPr lang="en" sz="2000" dirty="0" smtClean="0">
-                <a:latin typeface="Times New Roman" panose="02020603050405020304" pitchFamily="18" charset="0"/>
-                <a:cs typeface="Times New Roman" panose="02020603050405020304" pitchFamily="18" charset="0"/>
-              </a:rPr>
-              <a:t>.</a:t>
-            </a:r>
-          </a:p>
-          <a:p>
-            <a:pPr>
-              <a:buFont typeface="Wingdings" panose="05000000000000000000" pitchFamily="2" charset="2"/>
-              <a:buChar char="Ø"/>
-            </a:pPr>
-            <a:endParaRPr lang="en" sz="2000" dirty="0" smtClean="0">
-              <a:latin typeface="Times New Roman" panose="02020603050405020304" pitchFamily="18" charset="0"/>
-              <a:cs typeface="Times New Roman" panose="02020603050405020304" pitchFamily="18" charset="0"/>
-            </a:endParaRPr>
-          </a:p>
-          <a:p>
-            <a:pPr>
-              <a:buFont typeface="Wingdings" panose="05000000000000000000" pitchFamily="2" charset="2"/>
-              <a:buChar char="Ø"/>
-            </a:pPr>
-            <a:r>
-              <a:rPr lang="en" sz="2000" dirty="0" smtClean="0">
-                <a:latin typeface="Times New Roman" panose="02020603050405020304" pitchFamily="18" charset="0"/>
-                <a:cs typeface="Times New Roman" panose="02020603050405020304" pitchFamily="18" charset="0"/>
-              </a:rPr>
-              <a:t>Developing </a:t>
-            </a:r>
-            <a:r>
-              <a:rPr lang="en" sz="2000" dirty="0">
-                <a:latin typeface="Times New Roman" panose="02020603050405020304" pitchFamily="18" charset="0"/>
-                <a:cs typeface="Times New Roman" panose="02020603050405020304" pitchFamily="18" charset="0"/>
-              </a:rPr>
-              <a:t>the project according to the </a:t>
-            </a:r>
-            <a:r>
-              <a:rPr lang="en" sz="2000" dirty="0" smtClean="0">
-                <a:latin typeface="Times New Roman" panose="02020603050405020304" pitchFamily="18" charset="0"/>
-                <a:cs typeface="Times New Roman" panose="02020603050405020304" pitchFamily="18" charset="0"/>
-              </a:rPr>
-              <a:t>Iteration plan.</a:t>
-            </a:r>
-            <a:endParaRPr lang="en" sz="2000" dirty="0">
-              <a:latin typeface="Times New Roman" panose="02020603050405020304" pitchFamily="18" charset="0"/>
-              <a:cs typeface="Times New Roman" panose="02020603050405020304" pitchFamily="18" charset="0"/>
-            </a:endParaRPr>
-          </a:p>
-          <a:p>
-            <a:endParaRPr lang="en" sz="2000" dirty="0">
-              <a:latin typeface="Times New Roman" panose="02020603050405020304" pitchFamily="18" charset="0"/>
-              <a:cs typeface="Times New Roman" panose="02020603050405020304" pitchFamily="18" charset="0"/>
-            </a:endParaRPr>
-          </a:p>
-          <a:p>
-            <a:endParaRPr sz="2000" dirty="0"/>
-          </a:p>
-        </p:txBody>
-      </p:sp>
-      <p:pic>
-        <p:nvPicPr>
-          <p:cNvPr id="118" name="Shape 118"/>
-          <p:cNvPicPr preferRelativeResize="0"/>
-          <p:nvPr/>
-        </p:nvPicPr>
-        <p:blipFill>
-          <a:blip r:embed="rId3">
-            <a:alphaModFix/>
-          </a:blip>
-          <a:stretch>
-            <a:fillRect/>
-          </a:stretch>
-        </p:blipFill>
-        <p:spPr>
-          <a:xfrm>
-            <a:off x="1767154" y="2929580"/>
-            <a:ext cx="6412180" cy="2070224"/>
-          </a:xfrm>
-          <a:prstGeom prst="rect">
-            <a:avLst/>
-          </a:prstGeom>
-          <a:noFill/>
-          <a:ln>
-            <a:noFill/>
-          </a:ln>
-        </p:spPr>
-      </p:pic>
-      <p:sp>
-        <p:nvSpPr>
           <p:cNvPr id="2" name="Slide Number Placeholder 1"/>
           <p:cNvSpPr>
             <a:spLocks noGrp="1"/>
@@ -10325,6 +10194,433 @@
                 <a:srgbClr val="FF0000"/>
               </a:solidFill>
             </a:endParaRPr>
+          </a:p>
+        </p:txBody>
+      </p:sp>
+      <p:sp>
+        <p:nvSpPr>
+          <p:cNvPr id="3" name="Right Arrow 2"/>
+          <p:cNvSpPr/>
+          <p:nvPr/>
+        </p:nvSpPr>
+        <p:spPr>
+          <a:xfrm>
+            <a:off x="676935" y="1218858"/>
+            <a:ext cx="1786759" cy="956441"/>
+          </a:xfrm>
+          <a:prstGeom prst="rightArrow">
+            <a:avLst/>
+          </a:prstGeom>
+        </p:spPr>
+        <p:style>
+          <a:lnRef idx="3">
+            <a:schemeClr val="lt1"/>
+          </a:lnRef>
+          <a:fillRef idx="1">
+            <a:schemeClr val="dk1"/>
+          </a:fillRef>
+          <a:effectRef idx="1">
+            <a:schemeClr val="dk1"/>
+          </a:effectRef>
+          <a:fontRef idx="minor">
+            <a:schemeClr val="lt1"/>
+          </a:fontRef>
+        </p:style>
+        <p:txBody>
+          <a:bodyPr rtlCol="0" anchor="ctr"/>
+          <a:lstStyle/>
+          <a:p>
+            <a:pPr algn="ctr"/>
+            <a:r>
+              <a:rPr lang="en-US" dirty="0" smtClean="0"/>
+              <a:t>Build Zero </a:t>
+            </a:r>
+            <a:endParaRPr lang="en-US" dirty="0"/>
+          </a:p>
+        </p:txBody>
+      </p:sp>
+      <p:sp>
+        <p:nvSpPr>
+          <p:cNvPr id="7" name="Right Arrow 6"/>
+          <p:cNvSpPr/>
+          <p:nvPr/>
+        </p:nvSpPr>
+        <p:spPr>
+          <a:xfrm>
+            <a:off x="2677510" y="1738573"/>
+            <a:ext cx="1786759" cy="956441"/>
+          </a:xfrm>
+          <a:prstGeom prst="rightArrow">
+            <a:avLst/>
+          </a:prstGeom>
+        </p:spPr>
+        <p:style>
+          <a:lnRef idx="3">
+            <a:schemeClr val="lt1"/>
+          </a:lnRef>
+          <a:fillRef idx="1">
+            <a:schemeClr val="dk1"/>
+          </a:fillRef>
+          <a:effectRef idx="1">
+            <a:schemeClr val="dk1"/>
+          </a:effectRef>
+          <a:fontRef idx="minor">
+            <a:schemeClr val="lt1"/>
+          </a:fontRef>
+        </p:style>
+        <p:txBody>
+          <a:bodyPr rtlCol="0" anchor="ctr"/>
+          <a:lstStyle/>
+          <a:p>
+            <a:pPr algn="ctr"/>
+            <a:r>
+              <a:rPr lang="en-US" dirty="0" smtClean="0"/>
+              <a:t>Build One</a:t>
+            </a:r>
+            <a:endParaRPr lang="en-US" dirty="0"/>
+          </a:p>
+        </p:txBody>
+      </p:sp>
+      <p:sp>
+        <p:nvSpPr>
+          <p:cNvPr id="8" name="Right Arrow 7"/>
+          <p:cNvSpPr/>
+          <p:nvPr/>
+        </p:nvSpPr>
+        <p:spPr>
+          <a:xfrm>
+            <a:off x="5374071" y="2756890"/>
+            <a:ext cx="1786759" cy="956441"/>
+          </a:xfrm>
+          <a:prstGeom prst="rightArrow">
+            <a:avLst/>
+          </a:prstGeom>
+        </p:spPr>
+        <p:style>
+          <a:lnRef idx="3">
+            <a:schemeClr val="lt1"/>
+          </a:lnRef>
+          <a:fillRef idx="1">
+            <a:schemeClr val="dk1"/>
+          </a:fillRef>
+          <a:effectRef idx="1">
+            <a:schemeClr val="dk1"/>
+          </a:effectRef>
+          <a:fontRef idx="minor">
+            <a:schemeClr val="lt1"/>
+          </a:fontRef>
+        </p:style>
+        <p:txBody>
+          <a:bodyPr rtlCol="0" anchor="ctr"/>
+          <a:lstStyle/>
+          <a:p>
+            <a:pPr algn="ctr"/>
+            <a:r>
+              <a:rPr lang="en-US" dirty="0" smtClean="0"/>
+              <a:t>Build Two</a:t>
+            </a:r>
+            <a:endParaRPr lang="en-US" dirty="0"/>
+          </a:p>
+        </p:txBody>
+      </p:sp>
+      <p:sp>
+        <p:nvSpPr>
+          <p:cNvPr id="9" name="Right Arrow 8"/>
+          <p:cNvSpPr/>
+          <p:nvPr/>
+        </p:nvSpPr>
+        <p:spPr>
+          <a:xfrm>
+            <a:off x="7024356" y="3577982"/>
+            <a:ext cx="1786759" cy="956441"/>
+          </a:xfrm>
+          <a:prstGeom prst="rightArrow">
+            <a:avLst/>
+          </a:prstGeom>
+        </p:spPr>
+        <p:style>
+          <a:lnRef idx="3">
+            <a:schemeClr val="lt1"/>
+          </a:lnRef>
+          <a:fillRef idx="1">
+            <a:schemeClr val="dk1"/>
+          </a:fillRef>
+          <a:effectRef idx="1">
+            <a:schemeClr val="dk1"/>
+          </a:effectRef>
+          <a:fontRef idx="minor">
+            <a:schemeClr val="lt1"/>
+          </a:fontRef>
+        </p:style>
+        <p:txBody>
+          <a:bodyPr rtlCol="0" anchor="ctr"/>
+          <a:lstStyle/>
+          <a:p>
+            <a:pPr algn="ctr"/>
+            <a:r>
+              <a:rPr lang="en-US" dirty="0" smtClean="0"/>
+              <a:t>Build Three</a:t>
+            </a:r>
+            <a:endParaRPr lang="en-US" dirty="0"/>
+          </a:p>
+        </p:txBody>
+      </p:sp>
+      <p:sp>
+        <p:nvSpPr>
+          <p:cNvPr id="4" name="Rectangle 3"/>
+          <p:cNvSpPr/>
+          <p:nvPr/>
+        </p:nvSpPr>
+        <p:spPr>
+          <a:xfrm>
+            <a:off x="576105" y="1218858"/>
+            <a:ext cx="4014952" cy="1647682"/>
+          </a:xfrm>
+          <a:prstGeom prst="rect">
+            <a:avLst/>
+          </a:prstGeom>
+          <a:solidFill>
+            <a:srgbClr val="808080">
+              <a:alpha val="34902"/>
+            </a:srgbClr>
+          </a:solidFill>
+        </p:spPr>
+        <p:style>
+          <a:lnRef idx="2">
+            <a:schemeClr val="accent1">
+              <a:shade val="50000"/>
+            </a:schemeClr>
+          </a:lnRef>
+          <a:fillRef idx="1">
+            <a:schemeClr val="accent1"/>
+          </a:fillRef>
+          <a:effectRef idx="0">
+            <a:schemeClr val="accent1"/>
+          </a:effectRef>
+          <a:fontRef idx="minor">
+            <a:schemeClr val="lt1"/>
+          </a:fontRef>
+        </p:style>
+        <p:txBody>
+          <a:bodyPr rtlCol="0" anchor="ctr"/>
+          <a:lstStyle/>
+          <a:p>
+            <a:pPr algn="ctr"/>
+            <a:endParaRPr lang="en-US" dirty="0" smtClean="0"/>
+          </a:p>
+          <a:p>
+            <a:pPr algn="ctr"/>
+            <a:endParaRPr lang="en-US" dirty="0"/>
+          </a:p>
+          <a:p>
+            <a:pPr algn="ctr"/>
+            <a:endParaRPr lang="en-US" dirty="0" smtClean="0"/>
+          </a:p>
+          <a:p>
+            <a:pPr algn="ctr"/>
+            <a:endParaRPr lang="en-US" dirty="0"/>
+          </a:p>
+          <a:p>
+            <a:pPr algn="ctr"/>
+            <a:endParaRPr lang="en-US" dirty="0" smtClean="0"/>
+          </a:p>
+          <a:p>
+            <a:pPr algn="ctr"/>
+            <a:endParaRPr lang="en-US" dirty="0"/>
+          </a:p>
+          <a:p>
+            <a:pPr algn="ctr"/>
+            <a:r>
+              <a:rPr lang="en-US" dirty="0" smtClean="0">
+                <a:ln w="0"/>
+                <a:solidFill>
+                  <a:schemeClr val="tx1"/>
+                </a:solidFill>
+                <a:effectLst>
+                  <a:outerShdw blurRad="38100" dist="19050" dir="2700000" algn="tl" rotWithShape="0">
+                    <a:schemeClr val="dk1">
+                      <a:alpha val="40000"/>
+                    </a:schemeClr>
+                  </a:outerShdw>
+                </a:effectLst>
+              </a:rPr>
+              <a:t>Week 1 – Week 4</a:t>
+            </a:r>
+            <a:endParaRPr lang="en-US" dirty="0">
+              <a:ln w="0"/>
+              <a:solidFill>
+                <a:schemeClr val="tx1"/>
+              </a:solidFill>
+              <a:effectLst>
+                <a:outerShdw blurRad="38100" dist="19050" dir="2700000" algn="tl" rotWithShape="0">
+                  <a:schemeClr val="dk1">
+                    <a:alpha val="40000"/>
+                  </a:schemeClr>
+                </a:outerShdw>
+              </a:effectLst>
+            </a:endParaRPr>
+          </a:p>
+        </p:txBody>
+      </p:sp>
+      <p:sp>
+        <p:nvSpPr>
+          <p:cNvPr id="12" name="Rectangle 11"/>
+          <p:cNvSpPr/>
+          <p:nvPr/>
+        </p:nvSpPr>
+        <p:spPr>
+          <a:xfrm>
+            <a:off x="5199169" y="2695014"/>
+            <a:ext cx="3821987" cy="1899770"/>
+          </a:xfrm>
+          <a:prstGeom prst="rect">
+            <a:avLst/>
+          </a:prstGeom>
+          <a:solidFill>
+            <a:srgbClr val="808080">
+              <a:alpha val="34902"/>
+            </a:srgbClr>
+          </a:solidFill>
+        </p:spPr>
+        <p:style>
+          <a:lnRef idx="2">
+            <a:schemeClr val="accent1">
+              <a:shade val="50000"/>
+            </a:schemeClr>
+          </a:lnRef>
+          <a:fillRef idx="1">
+            <a:schemeClr val="accent1"/>
+          </a:fillRef>
+          <a:effectRef idx="0">
+            <a:schemeClr val="accent1"/>
+          </a:effectRef>
+          <a:fontRef idx="minor">
+            <a:schemeClr val="lt1"/>
+          </a:fontRef>
+        </p:style>
+        <p:txBody>
+          <a:bodyPr rtlCol="0" anchor="ctr"/>
+          <a:lstStyle/>
+          <a:p>
+            <a:pPr algn="ctr"/>
+            <a:endParaRPr lang="en-US" dirty="0"/>
+          </a:p>
+          <a:p>
+            <a:pPr algn="ctr"/>
+            <a:endParaRPr lang="en-US" dirty="0"/>
+          </a:p>
+          <a:p>
+            <a:pPr algn="ctr"/>
+            <a:endParaRPr lang="en-US" dirty="0"/>
+          </a:p>
+          <a:p>
+            <a:pPr algn="ctr"/>
+            <a:endParaRPr lang="en-US" dirty="0"/>
+          </a:p>
+          <a:p>
+            <a:pPr algn="ctr"/>
+            <a:endParaRPr lang="en-US" dirty="0"/>
+          </a:p>
+          <a:p>
+            <a:pPr algn="ctr"/>
+            <a:endParaRPr lang="en-US" dirty="0"/>
+          </a:p>
+          <a:p>
+            <a:pPr algn="ctr"/>
+            <a:endParaRPr lang="en-US" dirty="0"/>
+          </a:p>
+          <a:p>
+            <a:pPr algn="ctr"/>
+            <a:r>
+              <a:rPr lang="en-US" dirty="0">
+                <a:ln w="0"/>
+                <a:solidFill>
+                  <a:schemeClr val="tx1"/>
+                </a:solidFill>
+                <a:effectLst>
+                  <a:outerShdw blurRad="38100" dist="19050" dir="2700000" algn="tl" rotWithShape="0">
+                    <a:schemeClr val="dk1">
+                      <a:alpha val="40000"/>
+                    </a:schemeClr>
+                  </a:outerShdw>
+                </a:effectLst>
+              </a:rPr>
+              <a:t>Week 5 – Week 8</a:t>
+            </a:r>
+          </a:p>
+        </p:txBody>
+      </p:sp>
+      <p:sp>
+        <p:nvSpPr>
+          <p:cNvPr id="14" name="Bent Arrow 13"/>
+          <p:cNvSpPr/>
+          <p:nvPr/>
+        </p:nvSpPr>
+        <p:spPr>
+          <a:xfrm flipV="1">
+            <a:off x="3016468" y="2866540"/>
+            <a:ext cx="2182701" cy="1232494"/>
+          </a:xfrm>
+          <a:prstGeom prst="bentArrow">
+            <a:avLst/>
+          </a:prstGeom>
+        </p:spPr>
+        <p:style>
+          <a:lnRef idx="2">
+            <a:schemeClr val="accent1">
+              <a:shade val="50000"/>
+            </a:schemeClr>
+          </a:lnRef>
+          <a:fillRef idx="1">
+            <a:schemeClr val="accent1"/>
+          </a:fillRef>
+          <a:effectRef idx="0">
+            <a:schemeClr val="accent1"/>
+          </a:effectRef>
+          <a:fontRef idx="minor">
+            <a:schemeClr val="lt1"/>
+          </a:fontRef>
+        </p:style>
+        <p:txBody>
+          <a:bodyPr rtlCol="0" anchor="ctr"/>
+          <a:lstStyle/>
+          <a:p>
+            <a:pPr algn="ctr"/>
+            <a:endParaRPr lang="en-US" dirty="0">
+              <a:solidFill>
+                <a:schemeClr val="tx1"/>
+              </a:solidFill>
+            </a:endParaRPr>
+          </a:p>
+        </p:txBody>
+      </p:sp>
+      <p:sp>
+        <p:nvSpPr>
+          <p:cNvPr id="15" name="TextBox 14"/>
+          <p:cNvSpPr txBox="1"/>
+          <p:nvPr/>
+        </p:nvSpPr>
+        <p:spPr>
+          <a:xfrm flipH="1">
+            <a:off x="3650446" y="3667612"/>
+            <a:ext cx="1338682" cy="307777"/>
+          </a:xfrm>
+          <a:prstGeom prst="rect">
+            <a:avLst/>
+          </a:prstGeom>
+          <a:noFill/>
+        </p:spPr>
+        <p:txBody>
+          <a:bodyPr wrap="square" rtlCol="0">
+            <a:spAutoFit/>
+          </a:bodyPr>
+          <a:lstStyle/>
+          <a:p>
+            <a:r>
+              <a:rPr lang="en-US" dirty="0" smtClean="0"/>
+              <a:t>Milestone</a:t>
+            </a:r>
+            <a:endParaRPr lang="en-US" dirty="0"/>
           </a:p>
         </p:txBody>
       </p:sp>
@@ -10858,7 +11154,34 @@
                 <a:latin typeface="Times New Roman" panose="02020603050405020304" pitchFamily="18" charset="0"/>
                 <a:cs typeface="Times New Roman" panose="02020603050405020304" pitchFamily="18" charset="0"/>
               </a:rPr>
-              <a:t>Modules and its core Functionalities</a:t>
+              <a:t>Modules and its core </a:t>
+            </a:r>
+            <a:r>
+              <a:rPr lang="en" sz="2000" dirty="0" smtClean="0">
+                <a:solidFill>
+                  <a:schemeClr val="accent6">
+                    <a:lumMod val="50000"/>
+                  </a:schemeClr>
+                </a:solidFill>
+                <a:latin typeface="Times New Roman" panose="02020603050405020304" pitchFamily="18" charset="0"/>
+                <a:cs typeface="Times New Roman" panose="02020603050405020304" pitchFamily="18" charset="0"/>
+              </a:rPr>
+              <a:t>Functionalities</a:t>
+            </a:r>
+          </a:p>
+          <a:p>
+            <a:pPr marL="571500" indent="-342900"/>
+            <a:r>
+              <a:rPr lang="en" sz="2000" dirty="0" smtClean="0">
+                <a:solidFill>
+                  <a:schemeClr val="accent6">
+                    <a:lumMod val="50000"/>
+                  </a:schemeClr>
+                </a:solidFill>
+                <a:latin typeface="Times New Roman" panose="02020603050405020304" pitchFamily="18" charset="0"/>
+                <a:cs typeface="Times New Roman" panose="02020603050405020304" pitchFamily="18" charset="0"/>
+              </a:rPr>
+              <a:t>Tasks – Completed, In Progress</a:t>
             </a:r>
           </a:p>
           <a:p>
@@ -10880,21 +11203,6 @@
             <a:pPr marL="571500" indent="-342900"/>
             <a:r>
               <a:rPr lang="en" sz="2000" dirty="0" smtClean="0">
-                <a:solidFill>
-                  <a:schemeClr val="accent6">
-                    <a:lumMod val="50000"/>
-                  </a:schemeClr>
-                </a:solidFill>
-                <a:latin typeface="Times New Roman" panose="02020603050405020304" pitchFamily="18" charset="0"/>
-                <a:cs typeface="Times New Roman" panose="02020603050405020304" pitchFamily="18" charset="0"/>
-              </a:rPr>
-              <a:t>Requirements</a:t>
-            </a:r>
-          </a:p>
-          <a:p>
-            <a:pPr marL="571500" indent="-342900"/>
-            <a:r>
-              <a:rPr lang="en" sz="2000" dirty="0">
                 <a:solidFill>
                   <a:schemeClr val="accent6">
                     <a:lumMod val="50000"/>
@@ -11455,19 +11763,7 @@
               <a:rPr lang="en-US" sz="3200" b="1" dirty="0" smtClean="0">
                 <a:latin typeface="Calisto MT" panose="02040603050505030304" pitchFamily="18" charset="0"/>
               </a:rPr>
-              <a:t>Requirements                      (</a:t>
-            </a:r>
-            <a:r>
-              <a:rPr lang="en-US" sz="3200" b="1" dirty="0" err="1" smtClean="0">
-                <a:latin typeface="Calisto MT" panose="02040603050505030304" pitchFamily="18" charset="0"/>
-              </a:rPr>
-              <a:t>Cntd</a:t>
-            </a:r>
-            <a:r>
-              <a:rPr lang="en-US" sz="3200" b="1" dirty="0" smtClean="0">
-                <a:latin typeface="Calisto MT" panose="02040603050505030304" pitchFamily="18" charset="0"/>
-              </a:rPr>
-              <a:t>…)</a:t>
+              <a:t>Tasks - Completed</a:t>
             </a:r>
             <a:endParaRPr lang="en-US" sz="3200" b="1" dirty="0">
               <a:latin typeface="Calisto MT" panose="02040603050505030304" pitchFamily="18" charset="0"/>
@@ -11883,7 +12179,7 @@
               <a:rPr lang="en-US" sz="3200" b="1" dirty="0" smtClean="0">
                 <a:latin typeface="Calisto MT" panose="02040603050505030304" pitchFamily="18" charset="0"/>
               </a:rPr>
-              <a:t>Requirements</a:t>
+              <a:t>Tasks - In progress</a:t>
             </a:r>
             <a:endParaRPr lang="en-US" sz="3200" b="1" dirty="0">
               <a:latin typeface="Calisto MT" panose="02040603050505030304" pitchFamily="18" charset="0"/>
